--- a/trunk/slides/Intro to CCSv5.pptx
+++ b/trunk/slides/Intro to CCSv5.pptx
@@ -2668,13 +2668,13 @@
           <a:lstStyle/>
           <a:p>
             <a:r>
-              <a:rPr lang="en-US" smtClean="0"/>
+              <a:rPr lang="en-US" dirty="0" smtClean="0"/>
               <a:t> a quick screen shot of CCS and some of its most important features.  Many customers will be familiar with make files, so the concept of a project won’t be very alien.</a:t>
             </a:r>
           </a:p>
           <a:p>
             <a:r>
-              <a:rPr lang="en-US" smtClean="0"/>
+              <a:rPr lang="en-US" dirty="0" smtClean="0"/>
               <a:t>Identify  the menu bar, horizontal and vertical toolbars and project window</a:t>
             </a:r>
           </a:p>
@@ -3156,6 +3156,134 @@
         </p:spPr>
         <p:txBody>
           <a:bodyPr/>
+          <a:lstStyle>
+            <a:lvl1pPr>
+              <a:defRPr>
+                <a:latin typeface="Calibri" pitchFamily="34" charset="0"/>
+                <a:cs typeface="Calibri" pitchFamily="34" charset="0"/>
+              </a:defRPr>
+            </a:lvl1pPr>
+          </a:lstStyle>
+          <a:p>
+            <a:r>
+              <a:rPr lang="en-US" dirty="0" smtClean="0"/>
+              <a:t>Click to edit Master title style</a:t>
+            </a:r>
+            <a:endParaRPr lang="en-US" dirty="0"/>
+          </a:p>
+        </p:txBody>
+      </p:sp>
+      <p:sp>
+        <p:nvSpPr>
+          <p:cNvPr id="3" name="Subtitle 2"/>
+          <p:cNvSpPr>
+            <a:spLocks noGrp="1"/>
+          </p:cNvSpPr>
+          <p:nvPr>
+            <p:ph type="subTitle" idx="1"/>
+          </p:nvPr>
+        </p:nvSpPr>
+        <p:spPr>
+          <a:xfrm>
+            <a:off x="1371600" y="3886200"/>
+            <a:ext cx="6400800" cy="1752600"/>
+          </a:xfrm>
+        </p:spPr>
+        <p:txBody>
+          <a:bodyPr/>
+          <a:lstStyle>
+            <a:lvl1pPr marL="0" indent="0" algn="ctr">
+              <a:buNone/>
+              <a:defRPr>
+                <a:latin typeface="Calibri" pitchFamily="34" charset="0"/>
+                <a:cs typeface="Calibri" pitchFamily="34" charset="0"/>
+              </a:defRPr>
+            </a:lvl1pPr>
+            <a:lvl2pPr marL="457200" indent="0" algn="ctr">
+              <a:buNone/>
+              <a:defRPr/>
+            </a:lvl2pPr>
+            <a:lvl3pPr marL="914400" indent="0" algn="ctr">
+              <a:buNone/>
+              <a:defRPr/>
+            </a:lvl3pPr>
+            <a:lvl4pPr marL="1371600" indent="0" algn="ctr">
+              <a:buNone/>
+              <a:defRPr/>
+            </a:lvl4pPr>
+            <a:lvl5pPr marL="1828800" indent="0" algn="ctr">
+              <a:buNone/>
+              <a:defRPr/>
+            </a:lvl5pPr>
+            <a:lvl6pPr marL="2286000" indent="0" algn="ctr">
+              <a:buNone/>
+              <a:defRPr/>
+            </a:lvl6pPr>
+            <a:lvl7pPr marL="2743200" indent="0" algn="ctr">
+              <a:buNone/>
+              <a:defRPr/>
+            </a:lvl7pPr>
+            <a:lvl8pPr marL="3200400" indent="0" algn="ctr">
+              <a:buNone/>
+              <a:defRPr/>
+            </a:lvl8pPr>
+            <a:lvl9pPr marL="3657600" indent="0" algn="ctr">
+              <a:buNone/>
+              <a:defRPr/>
+            </a:lvl9pPr>
+          </a:lstStyle>
+          <a:p>
+            <a:r>
+              <a:rPr lang="en-US" dirty="0" smtClean="0"/>
+              <a:t>Click to edit Master subtitle style</a:t>
+            </a:r>
+            <a:endParaRPr lang="en-US" dirty="0"/>
+          </a:p>
+        </p:txBody>
+      </p:sp>
+    </p:spTree>
+  </p:cSld>
+  <p:clrMapOvr>
+    <a:masterClrMapping/>
+  </p:clrMapOvr>
+</p:sldLayout>
+</file>
+
+<file path=ppt/slideLayouts/slideLayout11.xml><?xml version="1.0" encoding="utf-8"?>
+<p:sldLayout xmlns:a="http://schemas.openxmlformats.org/drawingml/2006/main" xmlns:r="http://schemas.openxmlformats.org/officeDocument/2006/relationships" xmlns:p="http://schemas.openxmlformats.org/presentationml/2006/main" preserve="1">
+  <p:cSld name="3_Title Slide">
+    <p:spTree>
+      <p:nvGrpSpPr>
+        <p:cNvPr id="1" name=""/>
+        <p:cNvGrpSpPr/>
+        <p:nvPr/>
+      </p:nvGrpSpPr>
+      <p:grpSpPr>
+        <a:xfrm>
+          <a:off x="0" y="0"/>
+          <a:ext cx="0" cy="0"/>
+          <a:chOff x="0" y="0"/>
+          <a:chExt cx="0" cy="0"/>
+        </a:xfrm>
+      </p:grpSpPr>
+      <p:sp>
+        <p:nvSpPr>
+          <p:cNvPr id="2" name="Title 1"/>
+          <p:cNvSpPr>
+            <a:spLocks noGrp="1"/>
+          </p:cNvSpPr>
+          <p:nvPr>
+            <p:ph type="ctrTitle"/>
+          </p:nvPr>
+        </p:nvSpPr>
+        <p:spPr>
+          <a:xfrm>
+            <a:off x="685800" y="2130425"/>
+            <a:ext cx="7772400" cy="1470025"/>
+          </a:xfrm>
+        </p:spPr>
+        <p:txBody>
+          <a:bodyPr/>
           <a:lstStyle/>
           <a:p>
             <a:r>
@@ -3239,243 +3367,7 @@
 </p:sldLayout>
 </file>
 
-<file path=ppt/slideLayouts/slideLayout11.xml><?xml version="1.0" encoding="utf-8"?>
-<p:sldLayout xmlns:a="http://schemas.openxmlformats.org/drawingml/2006/main" xmlns:r="http://schemas.openxmlformats.org/officeDocument/2006/relationships" xmlns:p="http://schemas.openxmlformats.org/presentationml/2006/main" preserve="1">
-  <p:cSld name="2_Title Slide">
-    <p:spTree>
-      <p:nvGrpSpPr>
-        <p:cNvPr id="1" name=""/>
-        <p:cNvGrpSpPr/>
-        <p:nvPr/>
-      </p:nvGrpSpPr>
-      <p:grpSpPr>
-        <a:xfrm>
-          <a:off x="0" y="0"/>
-          <a:ext cx="0" cy="0"/>
-          <a:chOff x="0" y="0"/>
-          <a:chExt cx="0" cy="0"/>
-        </a:xfrm>
-      </p:grpSpPr>
-      <p:sp>
-        <p:nvSpPr>
-          <p:cNvPr id="2" name="Title 1"/>
-          <p:cNvSpPr>
-            <a:spLocks noGrp="1"/>
-          </p:cNvSpPr>
-          <p:nvPr>
-            <p:ph type="ctrTitle"/>
-          </p:nvPr>
-        </p:nvSpPr>
-        <p:spPr>
-          <a:xfrm>
-            <a:off x="685800" y="2130425"/>
-            <a:ext cx="7772400" cy="1470025"/>
-          </a:xfrm>
-        </p:spPr>
-        <p:txBody>
-          <a:bodyPr/>
-          <a:lstStyle/>
-          <a:p>
-            <a:r>
-              <a:rPr lang="en-US" smtClean="0"/>
-              <a:t>Click to edit Master title style</a:t>
-            </a:r>
-            <a:endParaRPr lang="en-US"/>
-          </a:p>
-        </p:txBody>
-      </p:sp>
-      <p:sp>
-        <p:nvSpPr>
-          <p:cNvPr id="3" name="Subtitle 2"/>
-          <p:cNvSpPr>
-            <a:spLocks noGrp="1"/>
-          </p:cNvSpPr>
-          <p:nvPr>
-            <p:ph type="subTitle" idx="1"/>
-          </p:nvPr>
-        </p:nvSpPr>
-        <p:spPr>
-          <a:xfrm>
-            <a:off x="1371600" y="3886200"/>
-            <a:ext cx="6400800" cy="1752600"/>
-          </a:xfrm>
-        </p:spPr>
-        <p:txBody>
-          <a:bodyPr/>
-          <a:lstStyle>
-            <a:lvl1pPr marL="0" indent="0" algn="ctr">
-              <a:buNone/>
-              <a:defRPr/>
-            </a:lvl1pPr>
-            <a:lvl2pPr marL="457200" indent="0" algn="ctr">
-              <a:buNone/>
-              <a:defRPr/>
-            </a:lvl2pPr>
-            <a:lvl3pPr marL="914400" indent="0" algn="ctr">
-              <a:buNone/>
-              <a:defRPr/>
-            </a:lvl3pPr>
-            <a:lvl4pPr marL="1371600" indent="0" algn="ctr">
-              <a:buNone/>
-              <a:defRPr/>
-            </a:lvl4pPr>
-            <a:lvl5pPr marL="1828800" indent="0" algn="ctr">
-              <a:buNone/>
-              <a:defRPr/>
-            </a:lvl5pPr>
-            <a:lvl6pPr marL="2286000" indent="0" algn="ctr">
-              <a:buNone/>
-              <a:defRPr/>
-            </a:lvl6pPr>
-            <a:lvl7pPr marL="2743200" indent="0" algn="ctr">
-              <a:buNone/>
-              <a:defRPr/>
-            </a:lvl7pPr>
-            <a:lvl8pPr marL="3200400" indent="0" algn="ctr">
-              <a:buNone/>
-              <a:defRPr/>
-            </a:lvl8pPr>
-            <a:lvl9pPr marL="3657600" indent="0" algn="ctr">
-              <a:buNone/>
-              <a:defRPr/>
-            </a:lvl9pPr>
-          </a:lstStyle>
-          <a:p>
-            <a:r>
-              <a:rPr lang="en-US" smtClean="0"/>
-              <a:t>Click to edit Master subtitle style</a:t>
-            </a:r>
-            <a:endParaRPr lang="en-US"/>
-          </a:p>
-        </p:txBody>
-      </p:sp>
-    </p:spTree>
-  </p:cSld>
-  <p:clrMapOvr>
-    <a:masterClrMapping/>
-  </p:clrMapOvr>
-</p:sldLayout>
-</file>
-
 <file path=ppt/slideLayouts/slideLayout12.xml><?xml version="1.0" encoding="utf-8"?>
-<p:sldLayout xmlns:a="http://schemas.openxmlformats.org/drawingml/2006/main" xmlns:r="http://schemas.openxmlformats.org/officeDocument/2006/relationships" xmlns:p="http://schemas.openxmlformats.org/presentationml/2006/main" preserve="1">
-  <p:cSld name="3_Title Slide">
-    <p:spTree>
-      <p:nvGrpSpPr>
-        <p:cNvPr id="1" name=""/>
-        <p:cNvGrpSpPr/>
-        <p:nvPr/>
-      </p:nvGrpSpPr>
-      <p:grpSpPr>
-        <a:xfrm>
-          <a:off x="0" y="0"/>
-          <a:ext cx="0" cy="0"/>
-          <a:chOff x="0" y="0"/>
-          <a:chExt cx="0" cy="0"/>
-        </a:xfrm>
-      </p:grpSpPr>
-      <p:sp>
-        <p:nvSpPr>
-          <p:cNvPr id="2" name="Title 1"/>
-          <p:cNvSpPr>
-            <a:spLocks noGrp="1"/>
-          </p:cNvSpPr>
-          <p:nvPr>
-            <p:ph type="ctrTitle"/>
-          </p:nvPr>
-        </p:nvSpPr>
-        <p:spPr>
-          <a:xfrm>
-            <a:off x="685800" y="2130425"/>
-            <a:ext cx="7772400" cy="1470025"/>
-          </a:xfrm>
-        </p:spPr>
-        <p:txBody>
-          <a:bodyPr/>
-          <a:lstStyle/>
-          <a:p>
-            <a:r>
-              <a:rPr lang="en-US" smtClean="0"/>
-              <a:t>Click to edit Master title style</a:t>
-            </a:r>
-            <a:endParaRPr lang="en-US"/>
-          </a:p>
-        </p:txBody>
-      </p:sp>
-      <p:sp>
-        <p:nvSpPr>
-          <p:cNvPr id="3" name="Subtitle 2"/>
-          <p:cNvSpPr>
-            <a:spLocks noGrp="1"/>
-          </p:cNvSpPr>
-          <p:nvPr>
-            <p:ph type="subTitle" idx="1"/>
-          </p:nvPr>
-        </p:nvSpPr>
-        <p:spPr>
-          <a:xfrm>
-            <a:off x="1371600" y="3886200"/>
-            <a:ext cx="6400800" cy="1752600"/>
-          </a:xfrm>
-        </p:spPr>
-        <p:txBody>
-          <a:bodyPr/>
-          <a:lstStyle>
-            <a:lvl1pPr marL="0" indent="0" algn="ctr">
-              <a:buNone/>
-              <a:defRPr/>
-            </a:lvl1pPr>
-            <a:lvl2pPr marL="457200" indent="0" algn="ctr">
-              <a:buNone/>
-              <a:defRPr/>
-            </a:lvl2pPr>
-            <a:lvl3pPr marL="914400" indent="0" algn="ctr">
-              <a:buNone/>
-              <a:defRPr/>
-            </a:lvl3pPr>
-            <a:lvl4pPr marL="1371600" indent="0" algn="ctr">
-              <a:buNone/>
-              <a:defRPr/>
-            </a:lvl4pPr>
-            <a:lvl5pPr marL="1828800" indent="0" algn="ctr">
-              <a:buNone/>
-              <a:defRPr/>
-            </a:lvl5pPr>
-            <a:lvl6pPr marL="2286000" indent="0" algn="ctr">
-              <a:buNone/>
-              <a:defRPr/>
-            </a:lvl6pPr>
-            <a:lvl7pPr marL="2743200" indent="0" algn="ctr">
-              <a:buNone/>
-              <a:defRPr/>
-            </a:lvl7pPr>
-            <a:lvl8pPr marL="3200400" indent="0" algn="ctr">
-              <a:buNone/>
-              <a:defRPr/>
-            </a:lvl8pPr>
-            <a:lvl9pPr marL="3657600" indent="0" algn="ctr">
-              <a:buNone/>
-              <a:defRPr/>
-            </a:lvl9pPr>
-          </a:lstStyle>
-          <a:p>
-            <a:r>
-              <a:rPr lang="en-US" smtClean="0"/>
-              <a:t>Click to edit Master subtitle style</a:t>
-            </a:r>
-            <a:endParaRPr lang="en-US"/>
-          </a:p>
-        </p:txBody>
-      </p:sp>
-    </p:spTree>
-  </p:cSld>
-  <p:clrMapOvr>
-    <a:masterClrMapping/>
-  </p:clrMapOvr>
-</p:sldLayout>
-</file>
-
-<file path=ppt/slideLayouts/slideLayout13.xml><?xml version="1.0" encoding="utf-8"?>
 <p:sldLayout xmlns:a="http://schemas.openxmlformats.org/drawingml/2006/main" xmlns:r="http://schemas.openxmlformats.org/officeDocument/2006/relationships" xmlns:p="http://schemas.openxmlformats.org/presentationml/2006/main" type="tbl">
   <p:cSld name="Title and Table">
     <p:spTree>
@@ -3589,7 +3481,7 @@
           <a:lstStyle/>
           <a:p>
             <a:r>
-              <a:rPr lang="en-US" smtClean="0"/>
+              <a:rPr lang="en-US" dirty="0" smtClean="0"/>
               <a:t>Click to edit Master title style</a:t>
             </a:r>
             <a:endParaRPr lang="en-US" dirty="0"/>
@@ -3865,10 +3757,10 @@
           <a:lstStyle/>
           <a:p>
             <a:r>
-              <a:rPr lang="en-US" smtClean="0"/>
+              <a:rPr lang="en-US" dirty="0" smtClean="0"/>
               <a:t>Click to edit Master title style</a:t>
             </a:r>
-            <a:endParaRPr lang="en-US"/>
+            <a:endParaRPr lang="en-US" dirty="0"/>
           </a:p>
         </p:txBody>
       </p:sp>
@@ -4435,10 +4327,10 @@
           <a:lstStyle/>
           <a:p>
             <a:r>
-              <a:rPr lang="en-US" smtClean="0"/>
+              <a:rPr lang="en-US" dirty="0" smtClean="0"/>
               <a:t>Click to edit Master title style</a:t>
             </a:r>
-            <a:endParaRPr lang="en-US"/>
+            <a:endParaRPr lang="en-US" dirty="0"/>
           </a:p>
         </p:txBody>
       </p:sp>
@@ -4544,19 +4436,54 @@
           <a:bodyPr/>
           <a:lstStyle>
             <a:lvl1pPr>
-              <a:defRPr sz="3200"/>
+              <a:buClrTx/>
+              <a:buSzPct val="100000"/>
+              <a:buFont typeface="Arial" pitchFamily="34" charset="0"/>
+              <a:buChar char="•"/>
+              <a:defRPr sz="3200">
+                <a:latin typeface="Calibri" pitchFamily="34" charset="0"/>
+                <a:cs typeface="Calibri" pitchFamily="34" charset="0"/>
+              </a:defRPr>
             </a:lvl1pPr>
             <a:lvl2pPr>
-              <a:defRPr sz="2800"/>
+              <a:buClrTx/>
+              <a:buSzPct val="100000"/>
+              <a:buFont typeface="Courier New" pitchFamily="49" charset="0"/>
+              <a:buChar char="o"/>
+              <a:defRPr sz="2800">
+                <a:latin typeface="Calibri" pitchFamily="34" charset="0"/>
+                <a:cs typeface="Calibri" pitchFamily="34" charset="0"/>
+              </a:defRPr>
             </a:lvl2pPr>
             <a:lvl3pPr>
-              <a:defRPr sz="2400"/>
+              <a:buClrTx/>
+              <a:buSzPct val="100000"/>
+              <a:buFont typeface="Wingdings" pitchFamily="2" charset="2"/>
+              <a:buChar char="§"/>
+              <a:defRPr sz="2400">
+                <a:latin typeface="Calibri" pitchFamily="34" charset="0"/>
+                <a:cs typeface="Calibri" pitchFamily="34" charset="0"/>
+              </a:defRPr>
             </a:lvl3pPr>
             <a:lvl4pPr>
-              <a:defRPr sz="2000"/>
+              <a:buClrTx/>
+              <a:buSzPct val="100000"/>
+              <a:buFont typeface="Calibri" pitchFamily="34" charset="0"/>
+              <a:buChar char="―"/>
+              <a:defRPr sz="2000">
+                <a:latin typeface="Calibri" pitchFamily="34" charset="0"/>
+                <a:cs typeface="Calibri" pitchFamily="34" charset="0"/>
+              </a:defRPr>
             </a:lvl4pPr>
             <a:lvl5pPr>
-              <a:defRPr sz="2000"/>
+              <a:buClrTx/>
+              <a:buSzPct val="100000"/>
+              <a:buFont typeface="Arial" pitchFamily="34" charset="0"/>
+              <a:buChar char="•"/>
+              <a:defRPr sz="2000">
+                <a:latin typeface="Calibri" pitchFamily="34" charset="0"/>
+                <a:cs typeface="Calibri" pitchFamily="34" charset="0"/>
+              </a:defRPr>
             </a:lvl5pPr>
             <a:lvl6pPr>
               <a:defRPr sz="2000"/>
@@ -4574,38 +4501,30 @@
           <a:p>
             <a:pPr lvl="0"/>
             <a:r>
-              <a:rPr lang="en-US" smtClean="0"/>
+              <a:rPr lang="en-US" dirty="0" smtClean="0"/>
               <a:t>Click to edit Master text styles</a:t>
             </a:r>
           </a:p>
           <a:p>
             <a:pPr lvl="1"/>
             <a:r>
-              <a:rPr lang="en-US" smtClean="0"/>
+              <a:rPr lang="en-US" dirty="0" smtClean="0"/>
               <a:t>Second level</a:t>
             </a:r>
           </a:p>
           <a:p>
             <a:pPr lvl="2"/>
             <a:r>
-              <a:rPr lang="en-US" smtClean="0"/>
+              <a:rPr lang="en-US" dirty="0" smtClean="0"/>
               <a:t>Third level</a:t>
             </a:r>
           </a:p>
           <a:p>
             <a:pPr lvl="3"/>
             <a:r>
-              <a:rPr lang="en-US" smtClean="0"/>
+              <a:rPr lang="en-US" dirty="0" smtClean="0"/>
               <a:t>Fourth level</a:t>
             </a:r>
-          </a:p>
-          <a:p>
-            <a:pPr lvl="4"/>
-            <a:r>
-              <a:rPr lang="en-US" smtClean="0"/>
-              <a:t>Fifth level</a:t>
-            </a:r>
-            <a:endParaRPr lang="en-US"/>
           </a:p>
         </p:txBody>
       </p:sp>
@@ -4917,7 +4836,7 @@
           <a:lstStyle/>
           <a:p>
             <a:r>
-              <a:rPr lang="en-US" smtClean="0"/>
+              <a:rPr lang="en-US" dirty="0" smtClean="0"/>
               <a:t>Click to edit Master title style</a:t>
             </a:r>
             <a:endParaRPr lang="en-US" dirty="0"/>
@@ -4951,44 +4870,60 @@
           <a:p>
             <a:pPr lvl="0"/>
             <a:r>
-              <a:rPr lang="en-US" smtClean="0"/>
+              <a:rPr lang="en-US" dirty="0" smtClean="0"/>
               <a:t>Click to edit Master text styles</a:t>
             </a:r>
           </a:p>
           <a:p>
             <a:pPr lvl="1"/>
             <a:r>
-              <a:rPr lang="en-US" smtClean="0"/>
+              <a:rPr lang="en-US" dirty="0" smtClean="0"/>
               <a:t>Second level</a:t>
             </a:r>
           </a:p>
           <a:p>
             <a:pPr lvl="2"/>
             <a:r>
-              <a:rPr lang="en-US" smtClean="0"/>
+              <a:rPr lang="en-US" dirty="0" smtClean="0"/>
               <a:t>Third level</a:t>
             </a:r>
           </a:p>
           <a:p>
             <a:pPr lvl="3"/>
             <a:r>
-              <a:rPr lang="en-US" smtClean="0"/>
+              <a:rPr lang="en-US" dirty="0" smtClean="0"/>
               <a:t>Fourth level</a:t>
             </a:r>
-          </a:p>
-          <a:p>
-            <a:pPr lvl="4"/>
-            <a:r>
-              <a:rPr lang="en-US" smtClean="0"/>
-              <a:t>Fifth level</a:t>
-            </a:r>
-            <a:endParaRPr lang="en-US" dirty="0"/>
           </a:p>
         </p:txBody>
       </p:sp>
       <p:pic>
         <p:nvPicPr>
           <p:cNvPr id="7" name="TI Logo Color One Line" descr="tilogo_color_oneline.png" hidden="1"/>
+          <p:cNvPicPr>
+            <a:picLocks noChangeAspect="1"/>
+          </p:cNvPicPr>
+          <p:nvPr/>
+        </p:nvPicPr>
+        <p:blipFill>
+          <a:blip r:embed="rId16" cstate="print"/>
+          <a:stretch>
+            <a:fillRect/>
+          </a:stretch>
+        </p:blipFill>
+        <p:spPr>
+          <a:xfrm>
+            <a:off x="147730" y="6101890"/>
+            <a:ext cx="1840840" cy="237724"/>
+          </a:xfrm>
+          <a:prstGeom prst="rect">
+            <a:avLst/>
+          </a:prstGeom>
+        </p:spPr>
+      </p:pic>
+      <p:pic>
+        <p:nvPicPr>
+          <p:cNvPr id="8" name="TI Logo White One Line" descr="tilogo_bw_oneline.png" hidden="1"/>
           <p:cNvPicPr>
             <a:picLocks noChangeAspect="1"/>
           </p:cNvPicPr>
@@ -5002,8 +4937,8 @@
         </p:blipFill>
         <p:spPr>
           <a:xfrm>
-            <a:off x="147730" y="6101890"/>
-            <a:ext cx="1840840" cy="237724"/>
+            <a:off x="136939" y="5288938"/>
+            <a:ext cx="1822553" cy="237724"/>
           </a:xfrm>
           <a:prstGeom prst="rect">
             <a:avLst/>
@@ -5012,7 +4947,7 @@
       </p:pic>
       <p:pic>
         <p:nvPicPr>
-          <p:cNvPr id="8" name="TI Logo White One Line" descr="tilogo_bw_oneline.png" hidden="1"/>
+          <p:cNvPr id="9" name="TI Logo White Stack" descr="tilogo_bw_twoline.png" hidden="1"/>
           <p:cNvPicPr>
             <a:picLocks noChangeAspect="1"/>
           </p:cNvPicPr>
@@ -5026,30 +4961,6 @@
         </p:blipFill>
         <p:spPr>
           <a:xfrm>
-            <a:off x="136939" y="5288938"/>
-            <a:ext cx="1822553" cy="237724"/>
-          </a:xfrm>
-          <a:prstGeom prst="rect">
-            <a:avLst/>
-          </a:prstGeom>
-        </p:spPr>
-      </p:pic>
-      <p:pic>
-        <p:nvPicPr>
-          <p:cNvPr id="9" name="TI Logo White Stack" descr="tilogo_bw_twoline.png" hidden="1"/>
-          <p:cNvPicPr>
-            <a:picLocks noChangeAspect="1"/>
-          </p:cNvPicPr>
-          <p:nvPr/>
-        </p:nvPicPr>
-        <p:blipFill>
-          <a:blip r:embed="rId19" cstate="print"/>
-          <a:stretch>
-            <a:fillRect/>
-          </a:stretch>
-        </p:blipFill>
-        <p:spPr>
-          <a:xfrm>
             <a:off x="121847" y="5656160"/>
             <a:ext cx="1456824" cy="353539"/>
           </a:xfrm>
@@ -5067,7 +4978,7 @@
           <p:nvPr/>
         </p:nvPicPr>
         <p:blipFill>
-          <a:blip r:embed="rId20" cstate="print"/>
+          <a:blip r:embed="rId19" cstate="print"/>
           <a:stretch>
             <a:fillRect/>
           </a:stretch>
@@ -5140,12 +5051,12 @@
           </p:cNvPicPr>
           <p:nvPr userDrawn="1">
             <p:custDataLst>
-              <p:tags r:id="rId15"/>
+              <p:tags r:id="rId14"/>
             </p:custDataLst>
           </p:nvPr>
         </p:nvPicPr>
         <p:blipFill>
-          <a:blip r:embed="rId21" cstate="print"/>
+          <a:blip r:embed="rId20" cstate="print"/>
           <a:srcRect/>
           <a:stretch>
             <a:fillRect/>
@@ -5174,14 +5085,14 @@
           <p:cNvSpPr/>
           <p:nvPr userDrawn="1">
             <p:custDataLst>
-              <p:tags r:id="rId16"/>
+              <p:tags r:id="rId15"/>
             </p:custDataLst>
           </p:nvPr>
         </p:nvSpPr>
         <p:spPr>
           <a:xfrm>
-            <a:off x="7930120" y="6498264"/>
-            <a:ext cx="856260" cy="276999"/>
+            <a:off x="7405897" y="6520036"/>
+            <a:ext cx="1357103" cy="240066"/>
           </a:xfrm>
           <a:prstGeom prst="rect">
             <a:avLst/>
@@ -5205,6 +5116,26 @@
               </a:spcAft>
               <a:defRPr/>
             </a:pPr>
+            <a:r>
+              <a:rPr lang="en-US" sz="1200" b="1" dirty="0" smtClean="0">
+                <a:ln w="10541" cmpd="sng">
+                  <a:solidFill>
+                    <a:srgbClr val="7D7D7D">
+                      <a:tint val="100000"/>
+                      <a:shade val="100000"/>
+                      <a:satMod val="110000"/>
+                    </a:srgbClr>
+                  </a:solidFill>
+                  <a:prstDash val="solid"/>
+                </a:ln>
+                <a:solidFill>
+                  <a:srgbClr val="000000"/>
+                </a:solidFill>
+                <a:latin typeface="Calibri"/>
+                <a:cs typeface="Arial" charset="0"/>
+              </a:rPr>
+              <a:t>Multicore </a:t>
+            </a:r>
             <a:r>
               <a:rPr lang="en-US" sz="1200" b="1" dirty="0">
                 <a:ln w="10541" cmpd="sng">
@@ -5223,7 +5154,7 @@
                 <a:latin typeface="Calibri"/>
                 <a:cs typeface="Arial" charset="0"/>
               </a:rPr>
-              <a:t>CI Training</a:t>
+              <a:t>Training</a:t>
             </a:r>
           </a:p>
         </p:txBody>
@@ -5242,9 +5173,8 @@
     <p:sldLayoutId id="2147483686" r:id="rId8"/>
     <p:sldLayoutId id="2147483687" r:id="rId9"/>
     <p:sldLayoutId id="2147483690" r:id="rId10"/>
-    <p:sldLayoutId id="2147483691" r:id="rId11"/>
-    <p:sldLayoutId id="2147483692" r:id="rId12"/>
-    <p:sldLayoutId id="2147483693" r:id="rId13"/>
+    <p:sldLayoutId id="2147483692" r:id="rId11"/>
+    <p:sldLayoutId id="2147483693" r:id="rId12"/>
   </p:sldLayoutIdLst>
   <p:txStyles>
     <p:titleStyle>
@@ -5255,11 +5185,11 @@
         <a:buNone/>
         <a:defRPr sz="3600" b="1" kern="1200" baseline="0">
           <a:solidFill>
-            <a:schemeClr val="tx2"/>
+            <a:schemeClr val="tx1"/>
           </a:solidFill>
-          <a:latin typeface="+mj-lt"/>
+          <a:latin typeface="Calibri" pitchFamily="34" charset="0"/>
           <a:ea typeface="+mj-ea"/>
-          <a:cs typeface="+mj-cs"/>
+          <a:cs typeface="Calibri" pitchFamily="34" charset="0"/>
         </a:defRPr>
       </a:lvl1pPr>
     </p:titleStyle>
@@ -5268,95 +5198,85 @@
         <a:spcBef>
           <a:spcPct val="20000"/>
         </a:spcBef>
-        <a:buClr>
-          <a:schemeClr val="tx2"/>
-        </a:buClr>
-        <a:buSzPct val="75000"/>
-        <a:buFont typeface="Wingdings" pitchFamily="2" charset="2"/>
-        <a:buChar char=""/>
+        <a:buClrTx/>
+        <a:buSzPct val="100000"/>
+        <a:buFont typeface="Arial" pitchFamily="34" charset="0"/>
+        <a:buChar char="•"/>
         <a:defRPr sz="3200" b="1" kern="1200">
           <a:solidFill>
             <a:schemeClr val="tx1"/>
           </a:solidFill>
-          <a:latin typeface="+mn-lt"/>
+          <a:latin typeface="Calibri" pitchFamily="34" charset="0"/>
           <a:ea typeface="+mn-ea"/>
-          <a:cs typeface="+mn-cs"/>
+          <a:cs typeface="Calibri" pitchFamily="34" charset="0"/>
         </a:defRPr>
       </a:lvl1pPr>
       <a:lvl2pPr marL="742950" indent="-285750" algn="l" defTabSz="914400" rtl="0" eaLnBrk="1" latinLnBrk="0" hangingPunct="1">
         <a:spcBef>
           <a:spcPct val="20000"/>
         </a:spcBef>
-        <a:buClr>
-          <a:schemeClr val="tx2"/>
-        </a:buClr>
-        <a:buSzPct val="75000"/>
-        <a:buFont typeface="Wingdings" pitchFamily="2" charset="2"/>
-        <a:buChar char=""/>
+        <a:buClrTx/>
+        <a:buSzPct val="100000"/>
+        <a:buFont typeface="Courier New" pitchFamily="49" charset="0"/>
+        <a:buChar char="o"/>
         <a:defRPr sz="2800" b="1" kern="1200">
           <a:solidFill>
             <a:schemeClr val="tx1"/>
           </a:solidFill>
-          <a:latin typeface="+mn-lt"/>
+          <a:latin typeface="Calibri" pitchFamily="34" charset="0"/>
           <a:ea typeface="+mn-ea"/>
-          <a:cs typeface="+mn-cs"/>
+          <a:cs typeface="Calibri" pitchFamily="34" charset="0"/>
         </a:defRPr>
       </a:lvl2pPr>
       <a:lvl3pPr marL="1143000" indent="-228600" algn="l" defTabSz="914400" rtl="0" eaLnBrk="1" latinLnBrk="0" hangingPunct="1">
         <a:spcBef>
           <a:spcPct val="20000"/>
         </a:spcBef>
-        <a:buClr>
-          <a:schemeClr val="tx2"/>
-        </a:buClr>
-        <a:buSzPct val="75000"/>
+        <a:buClrTx/>
+        <a:buSzPct val="100000"/>
         <a:buFont typeface="Wingdings" pitchFamily="2" charset="2"/>
-        <a:buChar char=""/>
+        <a:buChar char="§"/>
         <a:defRPr sz="2400" b="1" kern="1200">
           <a:solidFill>
             <a:schemeClr val="tx1"/>
           </a:solidFill>
-          <a:latin typeface="+mn-lt"/>
+          <a:latin typeface="Calibri" pitchFamily="34" charset="0"/>
           <a:ea typeface="+mn-ea"/>
-          <a:cs typeface="+mn-cs"/>
+          <a:cs typeface="Calibri" pitchFamily="34" charset="0"/>
         </a:defRPr>
       </a:lvl3pPr>
       <a:lvl4pPr marL="1600200" indent="-228600" algn="l" defTabSz="914400" rtl="0" eaLnBrk="1" latinLnBrk="0" hangingPunct="1">
         <a:spcBef>
           <a:spcPct val="20000"/>
         </a:spcBef>
-        <a:buClr>
-          <a:schemeClr val="tx2"/>
-        </a:buClr>
-        <a:buSzPct val="75000"/>
-        <a:buFont typeface="Wingdings" pitchFamily="2" charset="2"/>
-        <a:buChar char=""/>
+        <a:buClrTx/>
+        <a:buSzPct val="100000"/>
+        <a:buFont typeface="Calibri" pitchFamily="34" charset="0"/>
+        <a:buChar char="―"/>
         <a:defRPr sz="2000" b="1" kern="1200">
           <a:solidFill>
             <a:schemeClr val="tx1"/>
           </a:solidFill>
-          <a:latin typeface="+mn-lt"/>
+          <a:latin typeface="Calibri" pitchFamily="34" charset="0"/>
           <a:ea typeface="+mn-ea"/>
-          <a:cs typeface="+mn-cs"/>
+          <a:cs typeface="Calibri" pitchFamily="34" charset="0"/>
         </a:defRPr>
       </a:lvl4pPr>
       <a:lvl5pPr marL="2057400" indent="-228600" algn="l" defTabSz="914400" rtl="0" eaLnBrk="1" latinLnBrk="0" hangingPunct="1">
         <a:spcBef>
           <a:spcPct val="20000"/>
         </a:spcBef>
-        <a:buClr>
-          <a:schemeClr val="tx2"/>
-        </a:buClr>
-        <a:buSzPct val="75000"/>
-        <a:buFont typeface="Wingdings" pitchFamily="2" charset="2"/>
-        <a:buChar char=""/>
+        <a:buClrTx/>
+        <a:buSzPct val="100000"/>
+        <a:buFont typeface="Arial" pitchFamily="34" charset="0"/>
+        <a:buChar char="•"/>
         <a:defRPr sz="2000" b="1" kern="1200">
           <a:solidFill>
             <a:schemeClr val="tx1"/>
           </a:solidFill>
-          <a:latin typeface="+mn-lt"/>
+          <a:latin typeface="Calibri" pitchFamily="34" charset="0"/>
           <a:ea typeface="+mn-ea"/>
-          <a:cs typeface="+mn-cs"/>
+          <a:cs typeface="Calibri" pitchFamily="34" charset="0"/>
         </a:defRPr>
       </a:lvl5pPr>
       <a:lvl6pPr marL="2514600" indent="-228600" algn="l" defTabSz="914400" rtl="0" eaLnBrk="1" latinLnBrk="0" hangingPunct="1">
@@ -5565,21 +5485,8 @@
                   <a:schemeClr val="tx1"/>
                 </a:solidFill>
               </a:rPr>
-              <a:t>Introduction to </a:t>
-            </a:r>
-            <a:r>
-              <a:rPr lang="en-US" sz="4400" b="0" dirty="0" smtClean="0">
-                <a:solidFill>
-                  <a:schemeClr val="tx1"/>
-                </a:solidFill>
-              </a:rPr>
-              <a:t>CCSv5</a:t>
-            </a:r>
-            <a:endParaRPr lang="en-US" sz="4400" b="0" dirty="0" smtClean="0">
-              <a:solidFill>
-                <a:schemeClr val="tx1"/>
-              </a:solidFill>
-            </a:endParaRPr>
+              <a:t>Introduction to CCSv5</a:t>
+            </a:r>
           </a:p>
         </p:txBody>
       </p:sp>
@@ -5619,6 +5526,39 @@
           <a:chExt cx="0" cy="0"/>
         </a:xfrm>
       </p:grpSpPr>
+      <p:sp>
+        <p:nvSpPr>
+          <p:cNvPr id="9" name="TextBox 8"/>
+          <p:cNvSpPr txBox="1"/>
+          <p:nvPr/>
+        </p:nvSpPr>
+        <p:spPr>
+          <a:xfrm>
+            <a:off x="228600" y="6430059"/>
+            <a:ext cx="8686800" cy="387798"/>
+          </a:xfrm>
+          <a:prstGeom prst="rect">
+            <a:avLst/>
+          </a:prstGeom>
+          <a:solidFill>
+            <a:schemeClr val="bg1"/>
+          </a:solidFill>
+        </p:spPr>
+        <p:txBody>
+          <a:bodyPr wrap="square" rtlCol="0" anchor="ctr" anchorCtr="0">
+            <a:spAutoFit/>
+          </a:bodyPr>
+          <a:lstStyle/>
+          <a:p>
+            <a:endParaRPr lang="en-US" dirty="0" smtClean="0">
+              <a:solidFill>
+                <a:schemeClr val="dk1"/>
+              </a:solidFill>
+              <a:effectLst/>
+            </a:endParaRPr>
+          </a:p>
+        </p:txBody>
+      </p:sp>
       <p:pic>
         <p:nvPicPr>
           <p:cNvPr id="1202178" name="Picture 2" descr="project example - gui2"/>
@@ -5676,7 +5616,7 @@
           <a:lstStyle/>
           <a:p>
             <a:r>
-              <a:rPr lang="en-US" smtClean="0"/>
+              <a:rPr lang="en-US" dirty="0" smtClean="0"/>
               <a:t>Eclipse “Projects”</a:t>
             </a:r>
           </a:p>
@@ -5724,8 +5664,8 @@
         </p:nvSpPr>
         <p:spPr bwMode="auto">
           <a:xfrm>
-            <a:off x="4419600" y="528638"/>
-            <a:ext cx="4629150" cy="2973387"/>
+            <a:off x="4191000" y="528638"/>
+            <a:ext cx="4857750" cy="2997744"/>
           </a:xfrm>
           <a:prstGeom prst="rect">
             <a:avLst/>
@@ -5739,7 +5679,7 @@
           </a:ln>
         </p:spPr>
         <p:txBody>
-          <a:bodyPr>
+          <a:bodyPr wrap="square">
             <a:spAutoFit/>
           </a:bodyPr>
           <a:lstStyle/>
@@ -5760,13 +5700,15 @@
             </a:pPr>
             <a:r>
               <a:rPr lang="en-US" sz="2000" dirty="0" smtClean="0">
-                <a:latin typeface="Arial Narrow" pitchFamily="34" charset="0"/>
+                <a:latin typeface="Calibri" pitchFamily="34" charset="0"/>
+                <a:cs typeface="Calibri" pitchFamily="34" charset="0"/>
               </a:rPr>
               <a:t>CCSv5 </a:t>
             </a:r>
             <a:r>
               <a:rPr lang="en-US" sz="2000" dirty="0">
-                <a:latin typeface="Arial Narrow" pitchFamily="34" charset="0"/>
+                <a:latin typeface="Calibri" pitchFamily="34" charset="0"/>
+                <a:cs typeface="Calibri" pitchFamily="34" charset="0"/>
               </a:rPr>
               <a:t>is PROJECT-centric</a:t>
             </a:r>
@@ -5788,7 +5730,8 @@
             </a:pPr>
             <a:r>
               <a:rPr lang="en-US" sz="2000" dirty="0">
-                <a:latin typeface="Arial Narrow" pitchFamily="34" charset="0"/>
+                <a:latin typeface="Calibri" pitchFamily="34" charset="0"/>
+                <a:cs typeface="Calibri" pitchFamily="34" charset="0"/>
               </a:rPr>
               <a:t>Eclipse uses </a:t>
             </a:r>
@@ -5797,13 +5740,15 @@
                 <a:solidFill>
                   <a:schemeClr val="tx2"/>
                 </a:solidFill>
-                <a:latin typeface="Arial Narrow" pitchFamily="34" charset="0"/>
+                <a:latin typeface="Calibri" pitchFamily="34" charset="0"/>
+                <a:cs typeface="Calibri" pitchFamily="34" charset="0"/>
               </a:rPr>
               <a:t>managed</a:t>
             </a:r>
             <a:r>
               <a:rPr lang="en-US" sz="2000" i="1" u="sng" dirty="0">
-                <a:latin typeface="Arial Narrow" pitchFamily="34" charset="0"/>
+                <a:latin typeface="Calibri" pitchFamily="34" charset="0"/>
+                <a:cs typeface="Calibri" pitchFamily="34" charset="0"/>
               </a:rPr>
               <a:t> </a:t>
             </a:r>
@@ -5812,25 +5757,29 @@
                 <a:solidFill>
                   <a:schemeClr val="tx2"/>
                 </a:solidFill>
-                <a:latin typeface="Arial Narrow" pitchFamily="34" charset="0"/>
+                <a:latin typeface="Calibri" pitchFamily="34" charset="0"/>
+                <a:cs typeface="Calibri" pitchFamily="34" charset="0"/>
               </a:rPr>
               <a:t>makefiles</a:t>
             </a:r>
             <a:r>
               <a:rPr lang="en-US" sz="2000" dirty="0">
-                <a:latin typeface="Arial Narrow" pitchFamily="34" charset="0"/>
+                <a:latin typeface="Calibri" pitchFamily="34" charset="0"/>
+                <a:cs typeface="Calibri" pitchFamily="34" charset="0"/>
               </a:rPr>
               <a:t> as their build scripts – as opposed to </a:t>
             </a:r>
             <a:r>
               <a:rPr lang="en-US" sz="2000" i="1" dirty="0" err="1">
-                <a:latin typeface="Arial Narrow" pitchFamily="34" charset="0"/>
+                <a:latin typeface="Calibri" pitchFamily="34" charset="0"/>
+                <a:cs typeface="Calibri" pitchFamily="34" charset="0"/>
               </a:rPr>
               <a:t>pjt</a:t>
             </a:r>
             <a:r>
               <a:rPr lang="en-US" sz="2000" dirty="0">
-                <a:latin typeface="Arial Narrow" pitchFamily="34" charset="0"/>
+                <a:latin typeface="Calibri" pitchFamily="34" charset="0"/>
+                <a:cs typeface="Calibri" pitchFamily="34" charset="0"/>
               </a:rPr>
               <a:t> files</a:t>
             </a:r>
@@ -5852,7 +5801,8 @@
             </a:pPr>
             <a:r>
               <a:rPr lang="en-US" sz="2000" dirty="0">
-                <a:latin typeface="Arial Narrow" pitchFamily="34" charset="0"/>
+                <a:latin typeface="Calibri" pitchFamily="34" charset="0"/>
+                <a:cs typeface="Calibri" pitchFamily="34" charset="0"/>
               </a:rPr>
               <a:t>Eclipse projects are folder based</a:t>
             </a:r>
@@ -5874,7 +5824,8 @@
             </a:pPr>
             <a:r>
               <a:rPr lang="en-US" sz="1800" b="0" dirty="0">
-                <a:latin typeface="Arial Narrow" pitchFamily="34" charset="0"/>
+                <a:latin typeface="Calibri" pitchFamily="34" charset="0"/>
+                <a:cs typeface="Calibri" pitchFamily="34" charset="0"/>
               </a:rPr>
               <a:t>“Adding file” copies it to folder</a:t>
             </a:r>
@@ -5896,7 +5847,8 @@
             </a:pPr>
             <a:r>
               <a:rPr lang="en-US" sz="1800" b="0" dirty="0">
-                <a:latin typeface="Arial Narrow" pitchFamily="34" charset="0"/>
+                <a:latin typeface="Calibri" pitchFamily="34" charset="0"/>
+                <a:cs typeface="Calibri" pitchFamily="34" charset="0"/>
               </a:rPr>
               <a:t>“Linking file” references original file</a:t>
             </a:r>
@@ -5918,7 +5870,8 @@
             </a:pPr>
             <a:r>
               <a:rPr lang="en-US" sz="1800" b="0" dirty="0">
-                <a:latin typeface="Arial Narrow" pitchFamily="34" charset="0"/>
+                <a:latin typeface="Calibri" pitchFamily="34" charset="0"/>
+                <a:cs typeface="Calibri" pitchFamily="34" charset="0"/>
               </a:rPr>
               <a:t>Project explorer shows folder contents</a:t>
             </a:r>
@@ -5940,7 +5893,8 @@
             </a:pPr>
             <a:r>
               <a:rPr lang="en-US" sz="2000" dirty="0">
-                <a:latin typeface="Arial Narrow" pitchFamily="34" charset="0"/>
+                <a:latin typeface="Calibri" pitchFamily="34" charset="0"/>
+                <a:cs typeface="Calibri" pitchFamily="34" charset="0"/>
               </a:rPr>
               <a:t>Project explorer lists functions</a:t>
             </a:r>
@@ -6045,8 +5999,8 @@
         </p:nvSpPr>
         <p:spPr bwMode="auto">
           <a:xfrm>
-            <a:off x="1066800" y="5984875"/>
-            <a:ext cx="1682750" cy="492125"/>
+            <a:off x="965898" y="5978402"/>
+            <a:ext cx="1884555" cy="498598"/>
           </a:xfrm>
           <a:prstGeom prst="rect">
             <a:avLst/>
@@ -6071,28 +6025,31 @@
               </a:spcBef>
             </a:pPr>
             <a:r>
-              <a:rPr lang="en-US" sz="2000" b="0">
+              <a:rPr lang="en-US" sz="2000" b="0" dirty="0">
                 <a:solidFill>
                   <a:schemeClr val="tx2"/>
                 </a:solidFill>
-                <a:latin typeface="Arial Narrow" pitchFamily="34" charset="0"/>
+                <a:latin typeface="Calibri" pitchFamily="34" charset="0"/>
+                <a:cs typeface="Calibri" pitchFamily="34" charset="0"/>
               </a:rPr>
               <a:t>How do we create</a:t>
             </a:r>
             <a:br>
-              <a:rPr lang="en-US" sz="2000" b="0">
+              <a:rPr lang="en-US" sz="2000" b="0" dirty="0">
                 <a:solidFill>
                   <a:schemeClr val="tx2"/>
                 </a:solidFill>
-                <a:latin typeface="Arial Narrow" pitchFamily="34" charset="0"/>
+                <a:latin typeface="Calibri" pitchFamily="34" charset="0"/>
+                <a:cs typeface="Calibri" pitchFamily="34" charset="0"/>
               </a:rPr>
             </a:br>
             <a:r>
-              <a:rPr lang="en-US" sz="2000" b="0">
+              <a:rPr lang="en-US" sz="2000" b="0" dirty="0">
                 <a:solidFill>
                   <a:schemeClr val="tx2"/>
                 </a:solidFill>
-                <a:latin typeface="Arial Narrow" pitchFamily="34" charset="0"/>
+                <a:latin typeface="Calibri" pitchFamily="34" charset="0"/>
+                <a:cs typeface="Calibri" pitchFamily="34" charset="0"/>
               </a:rPr>
               <a:t>a NEW project?</a:t>
             </a:r>
@@ -6203,6 +6160,39 @@
           <a:chExt cx="0" cy="0"/>
         </a:xfrm>
       </p:grpSpPr>
+      <p:sp>
+        <p:nvSpPr>
+          <p:cNvPr id="11" name="TextBox 10"/>
+          <p:cNvSpPr txBox="1"/>
+          <p:nvPr/>
+        </p:nvSpPr>
+        <p:spPr>
+          <a:xfrm>
+            <a:off x="228600" y="6440945"/>
+            <a:ext cx="8686800" cy="387798"/>
+          </a:xfrm>
+          <a:prstGeom prst="rect">
+            <a:avLst/>
+          </a:prstGeom>
+          <a:solidFill>
+            <a:schemeClr val="bg1"/>
+          </a:solidFill>
+        </p:spPr>
+        <p:txBody>
+          <a:bodyPr wrap="square" rtlCol="0" anchor="ctr" anchorCtr="0">
+            <a:spAutoFit/>
+          </a:bodyPr>
+          <a:lstStyle/>
+          <a:p>
+            <a:endParaRPr lang="en-US" dirty="0" smtClean="0">
+              <a:solidFill>
+                <a:schemeClr val="dk1"/>
+              </a:solidFill>
+              <a:effectLst/>
+            </a:endParaRPr>
+          </a:p>
+        </p:txBody>
+      </p:sp>
       <p:sp>
         <p:nvSpPr>
           <p:cNvPr id="14338" name="Rectangle 2"/>
@@ -6432,7 +6422,7 @@
         <p:spPr bwMode="auto">
           <a:xfrm>
             <a:off x="4173538" y="700088"/>
-            <a:ext cx="2262187" cy="312737"/>
+            <a:ext cx="2047612" cy="319446"/>
           </a:xfrm>
           <a:prstGeom prst="rect">
             <a:avLst/>
@@ -6452,7 +6442,10 @@
           <a:lstStyle/>
           <a:p>
             <a:r>
-              <a:rPr lang="en-US" sz="1800" b="0"/>
+              <a:rPr lang="en-US" sz="1800" b="0" dirty="0">
+                <a:latin typeface="Calibri" pitchFamily="34" charset="0"/>
+                <a:cs typeface="Calibri" pitchFamily="34" charset="0"/>
+              </a:rPr>
               <a:t>(in C++ perspective)</a:t>
             </a:r>
           </a:p>
@@ -6475,8 +6468,8 @@
         </p:blipFill>
         <p:spPr bwMode="auto">
           <a:xfrm>
-            <a:off x="1447800" y="1219200"/>
-            <a:ext cx="5753100" cy="5172075"/>
+            <a:off x="1354270" y="1209674"/>
+            <a:ext cx="6113330" cy="5495926"/>
           </a:xfrm>
           <a:prstGeom prst="rect">
             <a:avLst/>
@@ -6525,6 +6518,39 @@
       </p:grpSpPr>
       <p:sp>
         <p:nvSpPr>
+          <p:cNvPr id="5" name="TextBox 4"/>
+          <p:cNvSpPr txBox="1"/>
+          <p:nvPr/>
+        </p:nvSpPr>
+        <p:spPr>
+          <a:xfrm>
+            <a:off x="228600" y="6440945"/>
+            <a:ext cx="8686800" cy="387798"/>
+          </a:xfrm>
+          <a:prstGeom prst="rect">
+            <a:avLst/>
+          </a:prstGeom>
+          <a:solidFill>
+            <a:schemeClr val="bg1"/>
+          </a:solidFill>
+        </p:spPr>
+        <p:txBody>
+          <a:bodyPr wrap="square" rtlCol="0" anchor="ctr" anchorCtr="0">
+            <a:spAutoFit/>
+          </a:bodyPr>
+          <a:lstStyle/>
+          <a:p>
+            <a:endParaRPr lang="en-US" dirty="0" smtClean="0">
+              <a:solidFill>
+                <a:schemeClr val="dk1"/>
+              </a:solidFill>
+              <a:effectLst/>
+            </a:endParaRPr>
+          </a:p>
+        </p:txBody>
+      </p:sp>
+      <p:sp>
+        <p:nvSpPr>
           <p:cNvPr id="14338" name="Rectangle 2"/>
           <p:cNvSpPr>
             <a:spLocks noGrp="1" noChangeArrowheads="1"/>
@@ -6596,8 +6622,8 @@
         </p:blipFill>
         <p:spPr bwMode="auto">
           <a:xfrm>
-            <a:off x="2209800" y="685800"/>
-            <a:ext cx="4848225" cy="5573043"/>
+            <a:off x="1981201" y="609600"/>
+            <a:ext cx="5305424" cy="6098596"/>
           </a:xfrm>
           <a:prstGeom prst="rect">
             <a:avLst/>
@@ -6646,6 +6672,39 @@
       </p:grpSpPr>
       <p:sp>
         <p:nvSpPr>
+          <p:cNvPr id="6" name="TextBox 5"/>
+          <p:cNvSpPr txBox="1"/>
+          <p:nvPr/>
+        </p:nvSpPr>
+        <p:spPr>
+          <a:xfrm>
+            <a:off x="228600" y="6430059"/>
+            <a:ext cx="8686800" cy="387798"/>
+          </a:xfrm>
+          <a:prstGeom prst="rect">
+            <a:avLst/>
+          </a:prstGeom>
+          <a:solidFill>
+            <a:schemeClr val="bg1"/>
+          </a:solidFill>
+        </p:spPr>
+        <p:txBody>
+          <a:bodyPr wrap="square" rtlCol="0" anchor="ctr" anchorCtr="0">
+            <a:spAutoFit/>
+          </a:bodyPr>
+          <a:lstStyle/>
+          <a:p>
+            <a:endParaRPr lang="en-US" dirty="0" smtClean="0">
+              <a:solidFill>
+                <a:schemeClr val="dk1"/>
+              </a:solidFill>
+              <a:effectLst/>
+            </a:endParaRPr>
+          </a:p>
+        </p:txBody>
+      </p:sp>
+      <p:sp>
+        <p:nvSpPr>
           <p:cNvPr id="14338" name="Rectangle 2"/>
           <p:cNvSpPr>
             <a:spLocks noGrp="1" noChangeArrowheads="1"/>
@@ -6717,8 +6776,8 @@
         </p:blipFill>
         <p:spPr bwMode="auto">
           <a:xfrm>
-            <a:off x="152400" y="990600"/>
-            <a:ext cx="4624387" cy="5130539"/>
+            <a:off x="76200" y="710560"/>
+            <a:ext cx="5129214" cy="5690620"/>
           </a:xfrm>
           <a:prstGeom prst="rect">
             <a:avLst/>
@@ -6740,8 +6799,8 @@
         </p:nvSpPr>
         <p:spPr>
           <a:xfrm>
-            <a:off x="5029200" y="1371600"/>
-            <a:ext cx="4114800" cy="2492990"/>
+            <a:off x="5257800" y="1371600"/>
+            <a:ext cx="3886200" cy="2862322"/>
           </a:xfrm>
           <a:prstGeom prst="rect">
             <a:avLst/>
@@ -6763,30 +6822,19 @@
               <a:spcAft>
                 <a:spcPct val="30000"/>
               </a:spcAft>
-              <a:buClr>
-                <a:schemeClr val="tx2"/>
-              </a:buClr>
               <a:buSzPct val="95000"/>
-              <a:buFont typeface="Wingdings" pitchFamily="2" charset="2"/>
-              <a:buChar char="Ø"/>
+              <a:buFont typeface="Arial" pitchFamily="34" charset="0"/>
+              <a:buChar char="•"/>
               <a:tabLst>
                 <a:tab pos="1946275" algn="l"/>
               </a:tabLst>
             </a:pPr>
             <a:r>
               <a:rPr lang="en-US" sz="2800" dirty="0" smtClean="0">
-                <a:solidFill>
-                  <a:schemeClr val="tx2"/>
-                </a:solidFill>
-                <a:latin typeface="Arial Narrow" pitchFamily="34" charset="0"/>
+                <a:latin typeface="Calibri" pitchFamily="34" charset="0"/>
+                <a:cs typeface="Calibri" pitchFamily="34" charset="0"/>
               </a:rPr>
-              <a:t>Not using SYS/BIOS?</a:t>
-            </a:r>
-            <a:r>
-              <a:rPr lang="en-US" sz="2800" dirty="0" smtClean="0">
-                <a:latin typeface="Arial Narrow" pitchFamily="34" charset="0"/>
-              </a:rPr>
-              <a:t>	 </a:t>
+              <a:t>Not using SYS/BIOS?	 </a:t>
             </a:r>
           </a:p>
           <a:p>
@@ -6800,19 +6848,17 @@
               <a:spcAft>
                 <a:spcPct val="30000"/>
               </a:spcAft>
-              <a:buClr>
-                <a:schemeClr val="tx2"/>
-              </a:buClr>
               <a:buSzPct val="95000"/>
-              <a:buFont typeface="Wingdings" pitchFamily="2" charset="2"/>
-              <a:buChar char="Ø"/>
+              <a:buFont typeface="Courier New" pitchFamily="49" charset="0"/>
+              <a:buChar char="o"/>
               <a:tabLst>
                 <a:tab pos="1946275" algn="l"/>
               </a:tabLst>
             </a:pPr>
             <a:r>
               <a:rPr lang="en-US" dirty="0" smtClean="0">
-                <a:latin typeface="Arial Narrow" pitchFamily="34" charset="0"/>
+                <a:latin typeface="Calibri" pitchFamily="34" charset="0"/>
+                <a:cs typeface="Calibri" pitchFamily="34" charset="0"/>
               </a:rPr>
               <a:t>Choose “Empty Project” </a:t>
             </a:r>
@@ -6828,30 +6874,19 @@
               <a:spcAft>
                 <a:spcPct val="30000"/>
               </a:spcAft>
-              <a:buClr>
-                <a:schemeClr val="tx2"/>
-              </a:buClr>
               <a:buSzPct val="95000"/>
-              <a:buFont typeface="Wingdings" pitchFamily="2" charset="2"/>
-              <a:buChar char="Ø"/>
+              <a:buFont typeface="Arial" pitchFamily="34" charset="0"/>
+              <a:buChar char="•"/>
               <a:tabLst>
                 <a:tab pos="1946275" algn="l"/>
               </a:tabLst>
             </a:pPr>
             <a:r>
               <a:rPr lang="en-US" sz="2800" dirty="0" smtClean="0">
-                <a:solidFill>
-                  <a:schemeClr val="tx2"/>
-                </a:solidFill>
-                <a:latin typeface="Arial Narrow" pitchFamily="34" charset="0"/>
+                <a:latin typeface="Calibri" pitchFamily="34" charset="0"/>
+                <a:cs typeface="Calibri" pitchFamily="34" charset="0"/>
               </a:rPr>
-              <a:t>Using SYS/BIOS?</a:t>
-            </a:r>
-            <a:r>
-              <a:rPr lang="en-US" sz="2800" dirty="0" smtClean="0">
-                <a:latin typeface="Arial Narrow" pitchFamily="34" charset="0"/>
-              </a:rPr>
-              <a:t>	</a:t>
+              <a:t>Using SYS/BIOS?	</a:t>
             </a:r>
           </a:p>
           <a:p>
@@ -6865,30 +6900,30 @@
               <a:spcAft>
                 <a:spcPct val="30000"/>
               </a:spcAft>
-              <a:buClr>
-                <a:schemeClr val="tx2"/>
-              </a:buClr>
               <a:buSzPct val="95000"/>
-              <a:buFont typeface="Wingdings" pitchFamily="2" charset="2"/>
-              <a:buChar char="Ø"/>
+              <a:buFont typeface="Courier New" pitchFamily="49" charset="0"/>
+              <a:buChar char="o"/>
               <a:tabLst>
                 <a:tab pos="1946275" algn="l"/>
               </a:tabLst>
             </a:pPr>
             <a:r>
               <a:rPr lang="en-US" sz="2800" dirty="0" smtClean="0">
-                <a:latin typeface="Arial Narrow" pitchFamily="34" charset="0"/>
+                <a:latin typeface="Calibri" pitchFamily="34" charset="0"/>
+                <a:cs typeface="Calibri" pitchFamily="34" charset="0"/>
               </a:rPr>
               <a:t> </a:t>
             </a:r>
             <a:r>
               <a:rPr lang="en-US" dirty="0" smtClean="0">
-                <a:latin typeface="Arial Narrow" pitchFamily="34" charset="0"/>
+                <a:latin typeface="Calibri" pitchFamily="34" charset="0"/>
+                <a:cs typeface="Calibri" pitchFamily="34" charset="0"/>
               </a:rPr>
               <a:t>Choose “Minimal” under SYS/BIOS</a:t>
             </a:r>
             <a:endParaRPr lang="en-US" b="0" i="1" dirty="0">
-              <a:latin typeface="Arial Narrow" pitchFamily="34" charset="0"/>
+              <a:latin typeface="Calibri" pitchFamily="34" charset="0"/>
+              <a:cs typeface="Calibri" pitchFamily="34" charset="0"/>
             </a:endParaRPr>
           </a:p>
         </p:txBody>
@@ -6926,6 +6961,39 @@
           <a:chExt cx="0" cy="0"/>
         </a:xfrm>
       </p:grpSpPr>
+      <p:sp>
+        <p:nvSpPr>
+          <p:cNvPr id="9" name="TextBox 8"/>
+          <p:cNvSpPr txBox="1"/>
+          <p:nvPr/>
+        </p:nvSpPr>
+        <p:spPr>
+          <a:xfrm>
+            <a:off x="228600" y="6430059"/>
+            <a:ext cx="8686800" cy="387798"/>
+          </a:xfrm>
+          <a:prstGeom prst="rect">
+            <a:avLst/>
+          </a:prstGeom>
+          <a:solidFill>
+            <a:schemeClr val="bg1"/>
+          </a:solidFill>
+        </p:spPr>
+        <p:txBody>
+          <a:bodyPr wrap="square" rtlCol="0" anchor="ctr" anchorCtr="0">
+            <a:spAutoFit/>
+          </a:bodyPr>
+          <a:lstStyle/>
+          <a:p>
+            <a:endParaRPr lang="en-US" dirty="0" smtClean="0">
+              <a:solidFill>
+                <a:schemeClr val="dk1"/>
+              </a:solidFill>
+              <a:effectLst/>
+            </a:endParaRPr>
+          </a:p>
+        </p:txBody>
+      </p:sp>
       <p:pic>
         <p:nvPicPr>
           <p:cNvPr id="5122" name="Picture 2"/>
@@ -7036,7 +7104,7 @@
         <p:spPr bwMode="auto">
           <a:xfrm>
             <a:off x="228600" y="600075"/>
-            <a:ext cx="8270875" cy="1274763"/>
+            <a:ext cx="7225376" cy="1274195"/>
           </a:xfrm>
           <a:prstGeom prst="rect">
             <a:avLst/>
@@ -7067,18 +7135,44 @@
               <a:buChar char=""/>
             </a:pPr>
             <a:r>
-              <a:rPr lang="en-US" i="1" u="sng"/>
+              <a:rPr lang="en-US" i="1" u="sng" dirty="0">
+                <a:latin typeface="Calibri" pitchFamily="34" charset="0"/>
+                <a:cs typeface="Calibri" pitchFamily="34" charset="0"/>
+              </a:rPr>
               <a:t>Workspace</a:t>
             </a:r>
             <a:r>
-              <a:rPr lang="en-US"/>
-              <a:t> –  a “container” for Eclipse metadata and</a:t>
+              <a:rPr lang="en-US" dirty="0">
+                <a:latin typeface="Calibri" pitchFamily="34" charset="0"/>
+                <a:cs typeface="Calibri" pitchFamily="34" charset="0"/>
+              </a:rPr>
+              <a:t> –  </a:t>
+            </a:r>
+            <a:r>
+              <a:rPr lang="en-US" dirty="0" smtClean="0">
+                <a:latin typeface="Calibri" pitchFamily="34" charset="0"/>
+                <a:cs typeface="Calibri" pitchFamily="34" charset="0"/>
+              </a:rPr>
+              <a:t>A </a:t>
+            </a:r>
+            <a:r>
+              <a:rPr lang="en-US" dirty="0">
+                <a:latin typeface="Calibri" pitchFamily="34" charset="0"/>
+                <a:cs typeface="Calibri" pitchFamily="34" charset="0"/>
+              </a:rPr>
+              <a:t>“container” for Eclipse metadata and</a:t>
             </a:r>
             <a:br>
-              <a:rPr lang="en-US"/>
+              <a:rPr lang="en-US" dirty="0">
+                <a:latin typeface="Calibri" pitchFamily="34" charset="0"/>
+                <a:cs typeface="Calibri" pitchFamily="34" charset="0"/>
+              </a:rPr>
             </a:br>
             <a:r>
-              <a:rPr lang="en-US"/>
+              <a:rPr lang="en-US" dirty="0">
+                <a:latin typeface="Calibri" pitchFamily="34" charset="0"/>
+                <a:cs typeface="Calibri" pitchFamily="34" charset="0"/>
+              </a:rPr>
               <a:t>the default location for all projects</a:t>
             </a:r>
           </a:p>
@@ -7095,19 +7189,11 @@
               <a:buChar char=""/>
             </a:pPr>
             <a:r>
-              <a:rPr lang="en-US"/>
-              <a:t>Default Location: </a:t>
-            </a:r>
-            <a:r>
-              <a:rPr lang="en-US">
-                <a:latin typeface="Courier New" pitchFamily="49" charset="0"/>
-                <a:cs typeface="Courier New" pitchFamily="49" charset="0"/>
+              <a:rPr lang="en-US" dirty="0">
+                <a:latin typeface="Calibri" pitchFamily="34" charset="0"/>
+                <a:cs typeface="Calibri" pitchFamily="34" charset="0"/>
               </a:rPr>
-              <a:t>\My Documents\workspace</a:t>
-            </a:r>
-            <a:r>
-              <a:rPr lang="en-US"/>
-              <a:t>:</a:t>
+              <a:t>Default Location: \My Documents\workspace:</a:t>
             </a:r>
           </a:p>
         </p:txBody>
@@ -7123,7 +7209,7 @@
         <p:spPr bwMode="auto">
           <a:xfrm>
             <a:off x="228600" y="3581400"/>
-            <a:ext cx="8067675" cy="941388"/>
+            <a:ext cx="7029168" cy="941796"/>
           </a:xfrm>
           <a:prstGeom prst="rect">
             <a:avLst/>
@@ -7154,7 +7240,10 @@
               <a:buChar char=""/>
             </a:pPr>
             <a:r>
-              <a:rPr lang="en-US"/>
+              <a:rPr lang="en-US">
+                <a:latin typeface="Calibri" pitchFamily="34" charset="0"/>
+                <a:cs typeface="Calibri" pitchFamily="34" charset="0"/>
+              </a:rPr>
               <a:t>Can change “default” workspace location if desired</a:t>
             </a:r>
           </a:p>
@@ -7171,7 +7260,10 @@
               <a:buChar char=""/>
             </a:pPr>
             <a:r>
-              <a:rPr lang="en-US"/>
+              <a:rPr lang="en-US">
+                <a:latin typeface="Calibri" pitchFamily="34" charset="0"/>
+                <a:cs typeface="Calibri" pitchFamily="34" charset="0"/>
+              </a:rPr>
               <a:t>User can also locate projects in specific folders:</a:t>
             </a:r>
           </a:p>
@@ -8032,6 +8124,39 @@
           <a:chExt cx="0" cy="0"/>
         </a:xfrm>
       </p:grpSpPr>
+      <p:sp>
+        <p:nvSpPr>
+          <p:cNvPr id="15" name="TextBox 14"/>
+          <p:cNvSpPr txBox="1"/>
+          <p:nvPr/>
+        </p:nvSpPr>
+        <p:spPr>
+          <a:xfrm>
+            <a:off x="228600" y="6430059"/>
+            <a:ext cx="8686800" cy="387798"/>
+          </a:xfrm>
+          <a:prstGeom prst="rect">
+            <a:avLst/>
+          </a:prstGeom>
+          <a:solidFill>
+            <a:schemeClr val="bg1"/>
+          </a:solidFill>
+        </p:spPr>
+        <p:txBody>
+          <a:bodyPr wrap="square" rtlCol="0" anchor="ctr" anchorCtr="0">
+            <a:spAutoFit/>
+          </a:bodyPr>
+          <a:lstStyle/>
+          <a:p>
+            <a:endParaRPr lang="en-US" dirty="0" smtClean="0">
+              <a:solidFill>
+                <a:schemeClr val="dk1"/>
+              </a:solidFill>
+              <a:effectLst/>
+            </a:endParaRPr>
+          </a:p>
+        </p:txBody>
+      </p:sp>
       <p:pic>
         <p:nvPicPr>
           <p:cNvPr id="6148" name="Picture 4"/>
@@ -8160,11 +8285,17 @@
               <a:buChar char=""/>
             </a:pPr>
             <a:r>
-              <a:rPr lang="en-US" sz="2000" i="1" u="sng"/>
+              <a:rPr lang="en-US" sz="2000" i="1" u="sng" dirty="0">
+                <a:latin typeface="Calibri" pitchFamily="34" charset="0"/>
+                <a:cs typeface="Calibri" pitchFamily="34" charset="0"/>
+              </a:rPr>
               <a:t>Target Configuration</a:t>
             </a:r>
             <a:r>
-              <a:rPr lang="en-US" sz="2000"/>
+              <a:rPr lang="en-US" sz="2000" dirty="0">
+                <a:latin typeface="Calibri" pitchFamily="34" charset="0"/>
+                <a:cs typeface="Calibri" pitchFamily="34" charset="0"/>
+              </a:rPr>
               <a:t> –  defines your “target” – i.e. emulator/device used, GEL scripts (replaces the old CCS Setup)</a:t>
             </a:r>
           </a:p>
@@ -8181,7 +8312,10 @@
               <a:buChar char=""/>
             </a:pPr>
             <a:r>
-              <a:rPr lang="en-US" sz="2000"/>
+              <a:rPr lang="en-US" sz="2000" dirty="0">
+                <a:latin typeface="Calibri" pitchFamily="34" charset="0"/>
+                <a:cs typeface="Calibri" pitchFamily="34" charset="0"/>
+              </a:rPr>
               <a:t>Use on a per-project basis (add to project or create User Defined) </a:t>
             </a:r>
           </a:p>
@@ -8198,7 +8332,7 @@
         <p:spPr bwMode="auto">
           <a:xfrm>
             <a:off x="6477000" y="2590800"/>
-            <a:ext cx="1014413" cy="349250"/>
+            <a:ext cx="861711" cy="344710"/>
           </a:xfrm>
           <a:prstGeom prst="rect">
             <a:avLst/>
@@ -8226,6 +8360,8 @@
                 <a:solidFill>
                   <a:schemeClr val="tx2"/>
                 </a:solidFill>
+                <a:latin typeface="Calibri" pitchFamily="34" charset="0"/>
+                <a:cs typeface="Calibri" pitchFamily="34" charset="0"/>
               </a:rPr>
               <a:t>“click”</a:t>
             </a:r>
@@ -8274,6 +8410,8 @@
                   </a:srgbClr>
                 </a:outerShdw>
               </a:effectLst>
+              <a:latin typeface="Calibri" pitchFamily="34" charset="0"/>
+              <a:cs typeface="Calibri" pitchFamily="34" charset="0"/>
             </a:endParaRPr>
           </a:p>
         </p:txBody>
@@ -8289,7 +8427,7 @@
         <p:spPr bwMode="auto">
           <a:xfrm>
             <a:off x="5029200" y="6292850"/>
-            <a:ext cx="3059113" cy="349250"/>
+            <a:ext cx="2594556" cy="344710"/>
           </a:xfrm>
           <a:prstGeom prst="rect">
             <a:avLst/>
@@ -8317,6 +8455,8 @@
                 <a:solidFill>
                   <a:schemeClr val="tx2"/>
                 </a:solidFill>
+                <a:latin typeface="Calibri" pitchFamily="34" charset="0"/>
+                <a:cs typeface="Calibri" pitchFamily="34" charset="0"/>
               </a:rPr>
               <a:t>Specify GEL script here</a:t>
             </a:r>
@@ -8365,6 +8505,8 @@
                   </a:srgbClr>
                 </a:outerShdw>
               </a:effectLst>
+              <a:latin typeface="Calibri" pitchFamily="34" charset="0"/>
+              <a:cs typeface="Calibri" pitchFamily="34" charset="0"/>
             </a:endParaRPr>
           </a:p>
         </p:txBody>
@@ -8411,6 +8553,8 @@
                   </a:srgbClr>
                 </a:outerShdw>
               </a:effectLst>
+              <a:latin typeface="Calibri" pitchFamily="34" charset="0"/>
+              <a:cs typeface="Calibri" pitchFamily="34" charset="0"/>
             </a:endParaRPr>
           </a:p>
         </p:txBody>
@@ -8450,7 +8594,8 @@
             <a:pPr algn="ctr"/>
             <a:r>
               <a:rPr lang="en-US" sz="1800">
-                <a:latin typeface="Arial Narrow" pitchFamily="34" charset="0"/>
+                <a:latin typeface="Calibri" pitchFamily="34" charset="0"/>
+                <a:cs typeface="Calibri" pitchFamily="34" charset="0"/>
               </a:rPr>
               <a:t>Advanced Tab</a:t>
             </a:r>
@@ -8504,6 +8649,8 @@
                   </a:srgbClr>
                 </a:outerShdw>
               </a:effectLst>
+              <a:latin typeface="Calibri" pitchFamily="34" charset="0"/>
+              <a:cs typeface="Calibri" pitchFamily="34" charset="0"/>
             </a:endParaRPr>
           </a:p>
         </p:txBody>
@@ -8582,6 +8729,8 @@
                   </a:srgbClr>
                 </a:outerShdw>
               </a:effectLst>
+              <a:latin typeface="Calibri" pitchFamily="34" charset="0"/>
+              <a:cs typeface="Calibri" pitchFamily="34" charset="0"/>
             </a:endParaRPr>
           </a:p>
         </p:txBody>
@@ -8781,6 +8930,8 @@
                 <a:solidFill>
                   <a:srgbClr val="000000"/>
                 </a:solidFill>
+                <a:latin typeface="Calibri" pitchFamily="34" charset="0"/>
+                <a:cs typeface="Calibri" pitchFamily="34" charset="0"/>
               </a:rPr>
               <a:t>Intro to CCSv5</a:t>
             </a:r>
@@ -8788,6 +8939,8 @@
               <a:solidFill>
                 <a:srgbClr val="000000"/>
               </a:solidFill>
+              <a:latin typeface="Calibri" pitchFamily="34" charset="0"/>
+              <a:cs typeface="Calibri" pitchFamily="34" charset="0"/>
             </a:endParaRPr>
           </a:p>
         </p:txBody>
@@ -8843,10 +8996,12 @@
               <a:buChar char=""/>
             </a:pPr>
             <a:r>
-              <a:rPr lang="en-US" smtClean="0">
+              <a:rPr lang="en-US" dirty="0" smtClean="0">
                 <a:solidFill>
                   <a:srgbClr val="000000"/>
                 </a:solidFill>
+                <a:latin typeface="Calibri" pitchFamily="34" charset="0"/>
+                <a:cs typeface="Calibri" pitchFamily="34" charset="0"/>
               </a:rPr>
               <a:t>Functional Overview</a:t>
             </a:r>
@@ -8854,6 +9009,8 @@
               <a:solidFill>
                 <a:srgbClr val="000000"/>
               </a:solidFill>
+              <a:latin typeface="Calibri" pitchFamily="34" charset="0"/>
+              <a:cs typeface="Calibri" pitchFamily="34" charset="0"/>
             </a:endParaRPr>
           </a:p>
         </p:txBody>
@@ -8913,6 +9070,8 @@
                 <a:solidFill>
                   <a:srgbClr val="000000"/>
                 </a:solidFill>
+                <a:latin typeface="Calibri" pitchFamily="34" charset="0"/>
+                <a:cs typeface="Calibri" pitchFamily="34" charset="0"/>
               </a:rPr>
               <a:t>Perspectives</a:t>
             </a:r>
@@ -8920,6 +9079,8 @@
               <a:solidFill>
                 <a:srgbClr val="000000"/>
               </a:solidFill>
+              <a:latin typeface="Calibri" pitchFamily="34" charset="0"/>
+              <a:cs typeface="Calibri" pitchFamily="34" charset="0"/>
             </a:endParaRPr>
           </a:p>
         </p:txBody>
@@ -8979,6 +9140,8 @@
                 <a:solidFill>
                   <a:srgbClr val="000000"/>
                 </a:solidFill>
+                <a:latin typeface="Calibri" pitchFamily="34" charset="0"/>
+                <a:cs typeface="Calibri" pitchFamily="34" charset="0"/>
               </a:rPr>
               <a:t>Projects</a:t>
             </a:r>
@@ -8986,6 +9149,8 @@
               <a:solidFill>
                 <a:srgbClr val="000000"/>
               </a:solidFill>
+              <a:latin typeface="Calibri" pitchFamily="34" charset="0"/>
+              <a:cs typeface="Calibri" pitchFamily="34" charset="0"/>
             </a:endParaRPr>
           </a:p>
         </p:txBody>
@@ -9045,6 +9210,8 @@
                 <a:solidFill>
                   <a:srgbClr val="000000"/>
                 </a:solidFill>
+                <a:latin typeface="Calibri" pitchFamily="34" charset="0"/>
+                <a:cs typeface="Calibri" pitchFamily="34" charset="0"/>
               </a:rPr>
               <a:t>Target Configuration</a:t>
             </a:r>
@@ -9052,6 +9219,8 @@
               <a:solidFill>
                 <a:srgbClr val="000000"/>
               </a:solidFill>
+              <a:latin typeface="Calibri" pitchFamily="34" charset="0"/>
+              <a:cs typeface="Calibri" pitchFamily="34" charset="0"/>
             </a:endParaRPr>
           </a:p>
         </p:txBody>
@@ -9115,6 +9284,8 @@
                 <a:solidFill>
                   <a:srgbClr val="000000"/>
                 </a:solidFill>
+                <a:latin typeface="Calibri" pitchFamily="34" charset="0"/>
+                <a:cs typeface="Calibri" pitchFamily="34" charset="0"/>
               </a:rPr>
               <a:t>Build Config &amp; Options</a:t>
             </a:r>
@@ -9122,6 +9293,8 @@
               <a:solidFill>
                 <a:srgbClr val="000000"/>
               </a:solidFill>
+              <a:latin typeface="Calibri" pitchFamily="34" charset="0"/>
+              <a:cs typeface="Calibri" pitchFamily="34" charset="0"/>
             </a:endParaRPr>
           </a:p>
         </p:txBody>
@@ -9181,6 +9354,8 @@
                 <a:solidFill>
                   <a:srgbClr val="000000"/>
                 </a:solidFill>
+                <a:latin typeface="Calibri" pitchFamily="34" charset="0"/>
+                <a:cs typeface="Calibri" pitchFamily="34" charset="0"/>
               </a:rPr>
               <a:t>Licensing/Pricing</a:t>
             </a:r>
@@ -9188,6 +9363,8 @@
               <a:solidFill>
                 <a:srgbClr val="000000"/>
               </a:solidFill>
+              <a:latin typeface="Calibri" pitchFamily="34" charset="0"/>
+              <a:cs typeface="Calibri" pitchFamily="34" charset="0"/>
             </a:endParaRPr>
           </a:p>
         </p:txBody>
@@ -9247,6 +9424,8 @@
                 <a:solidFill>
                   <a:srgbClr val="000000"/>
                 </a:solidFill>
+                <a:latin typeface="Calibri" pitchFamily="34" charset="0"/>
+                <a:cs typeface="Calibri" pitchFamily="34" charset="0"/>
               </a:rPr>
               <a:t>CCSv5 – For More Info…</a:t>
             </a:r>
@@ -9254,6 +9433,8 @@
               <a:solidFill>
                 <a:srgbClr val="000000"/>
               </a:solidFill>
+              <a:latin typeface="Calibri" pitchFamily="34" charset="0"/>
+              <a:cs typeface="Calibri" pitchFamily="34" charset="0"/>
             </a:endParaRPr>
           </a:p>
         </p:txBody>
@@ -9296,6 +9477,39 @@
       </p:grpSpPr>
       <p:sp>
         <p:nvSpPr>
+          <p:cNvPr id="12" name="TextBox 11"/>
+          <p:cNvSpPr txBox="1"/>
+          <p:nvPr/>
+        </p:nvSpPr>
+        <p:spPr>
+          <a:xfrm>
+            <a:off x="228600" y="6430059"/>
+            <a:ext cx="8686800" cy="387798"/>
+          </a:xfrm>
+          <a:prstGeom prst="rect">
+            <a:avLst/>
+          </a:prstGeom>
+          <a:solidFill>
+            <a:schemeClr val="bg1"/>
+          </a:solidFill>
+        </p:spPr>
+        <p:txBody>
+          <a:bodyPr wrap="square" rtlCol="0" anchor="ctr" anchorCtr="0">
+            <a:spAutoFit/>
+          </a:bodyPr>
+          <a:lstStyle/>
+          <a:p>
+            <a:endParaRPr lang="en-US" dirty="0" smtClean="0">
+              <a:solidFill>
+                <a:schemeClr val="dk1"/>
+              </a:solidFill>
+              <a:effectLst/>
+            </a:endParaRPr>
+          </a:p>
+        </p:txBody>
+      </p:sp>
+      <p:sp>
+        <p:nvSpPr>
           <p:cNvPr id="20482" name="Rectangle 4"/>
           <p:cNvSpPr>
             <a:spLocks noGrp="1" noChangeArrowheads="1"/>
@@ -9327,7 +9541,7 @@
         <p:spPr bwMode="auto">
           <a:xfrm>
             <a:off x="152400" y="679450"/>
-            <a:ext cx="8950325" cy="1274763"/>
+            <a:ext cx="8839200" cy="1606594"/>
           </a:xfrm>
           <a:prstGeom prst="rect">
             <a:avLst/>
@@ -9341,7 +9555,7 @@
           </a:ln>
         </p:spPr>
         <p:txBody>
-          <a:bodyPr wrap="none">
+          <a:bodyPr wrap="square">
             <a:spAutoFit/>
           </a:bodyPr>
           <a:lstStyle/>
@@ -9359,26 +9573,31 @@
             </a:pPr>
             <a:r>
               <a:rPr lang="en-US" i="1" u="sng" dirty="0">
-                <a:latin typeface="Arial Narrow" pitchFamily="34" charset="0"/>
+                <a:latin typeface="Calibri" pitchFamily="34" charset="0"/>
+                <a:cs typeface="Calibri" pitchFamily="34" charset="0"/>
               </a:rPr>
               <a:t>Build Configuration</a:t>
             </a:r>
             <a:r>
               <a:rPr lang="en-US" dirty="0">
-                <a:latin typeface="Arial Narrow" pitchFamily="34" charset="0"/>
+                <a:latin typeface="Calibri" pitchFamily="34" charset="0"/>
+                <a:cs typeface="Calibri" pitchFamily="34" charset="0"/>
               </a:rPr>
-              <a:t> – a set of build options for the compiler and linker</a:t>
-            </a:r>
-            <a:br>
+              <a:t> – a set of build options for the compiler and </a:t>
+            </a:r>
+            <a:r>
+              <a:rPr lang="en-US" dirty="0" smtClean="0">
+                <a:latin typeface="Calibri" pitchFamily="34" charset="0"/>
+                <a:cs typeface="Calibri" pitchFamily="34" charset="0"/>
+              </a:rPr>
+              <a:t>linker (e.g</a:t>
+            </a:r>
+            <a:r>
               <a:rPr lang="en-US" dirty="0">
-                <a:latin typeface="Arial Narrow" pitchFamily="34" charset="0"/>
+                <a:latin typeface="Calibri" pitchFamily="34" charset="0"/>
+                <a:cs typeface="Calibri" pitchFamily="34" charset="0"/>
               </a:rPr>
-            </a:br>
-            <a:r>
-              <a:rPr lang="en-US" dirty="0">
-                <a:latin typeface="Arial Narrow" pitchFamily="34" charset="0"/>
-              </a:rPr>
-              <a:t>(e.g. optimization levels, include DIRs, debug symbols, etc.) </a:t>
+              <a:t>. optimization levels, include DIRs, debug symbols, etc.) </a:t>
             </a:r>
           </a:p>
           <a:p>
@@ -9395,25 +9614,29 @@
             </a:pPr>
             <a:r>
               <a:rPr lang="en-US" dirty="0" smtClean="0">
-                <a:latin typeface="Arial Narrow" pitchFamily="34" charset="0"/>
+                <a:latin typeface="Calibri" pitchFamily="34" charset="0"/>
+                <a:cs typeface="Calibri" pitchFamily="34" charset="0"/>
               </a:rPr>
               <a:t>CCSv5 </a:t>
             </a:r>
             <a:r>
               <a:rPr lang="en-US" dirty="0">
-                <a:latin typeface="Arial Narrow" pitchFamily="34" charset="0"/>
+                <a:latin typeface="Calibri" pitchFamily="34" charset="0"/>
+                <a:cs typeface="Calibri" pitchFamily="34" charset="0"/>
               </a:rPr>
               <a:t>comes std with two DEFAULT build </a:t>
             </a:r>
             <a:r>
               <a:rPr lang="en-US" dirty="0" err="1">
-                <a:latin typeface="Arial Narrow" pitchFamily="34" charset="0"/>
+                <a:latin typeface="Calibri" pitchFamily="34" charset="0"/>
+                <a:cs typeface="Calibri" pitchFamily="34" charset="0"/>
               </a:rPr>
               <a:t>configs</a:t>
             </a:r>
             <a:r>
               <a:rPr lang="en-US" dirty="0">
-                <a:latin typeface="Arial Narrow" pitchFamily="34" charset="0"/>
+                <a:latin typeface="Calibri" pitchFamily="34" charset="0"/>
+                <a:cs typeface="Calibri" pitchFamily="34" charset="0"/>
               </a:rPr>
               <a:t>: Debug &amp; Release:</a:t>
             </a:r>
@@ -9554,7 +9777,7 @@
         <p:spPr bwMode="auto">
           <a:xfrm>
             <a:off x="152400" y="2932113"/>
-            <a:ext cx="8051800" cy="420687"/>
+            <a:ext cx="8593250" cy="424732"/>
           </a:xfrm>
           <a:prstGeom prst="rect">
             <a:avLst/>
@@ -9586,7 +9809,8 @@
             </a:pPr>
             <a:r>
               <a:rPr lang="en-US">
-                <a:latin typeface="Arial Narrow" pitchFamily="34" charset="0"/>
+                <a:latin typeface="Calibri" pitchFamily="34" charset="0"/>
+                <a:cs typeface="Calibri" pitchFamily="34" charset="0"/>
               </a:rPr>
               <a:t>User can modify compiler/linker options via “Build Properties”:</a:t>
             </a:r>
@@ -9604,7 +9828,7 @@
         <p:spPr bwMode="auto">
           <a:xfrm>
             <a:off x="2117725" y="3364597"/>
-            <a:ext cx="1284288" cy="336550"/>
+            <a:ext cx="1151277" cy="344710"/>
           </a:xfrm>
           <a:prstGeom prst="rect">
             <a:avLst/>
@@ -9628,6 +9852,8 @@
                 <a:solidFill>
                   <a:schemeClr val="tx2"/>
                 </a:solidFill>
+                <a:latin typeface="Calibri" pitchFamily="34" charset="0"/>
+                <a:cs typeface="Calibri" pitchFamily="34" charset="0"/>
               </a:rPr>
               <a:t>Compiler</a:t>
             </a:r>
@@ -9645,7 +9871,7 @@
         <p:spPr bwMode="auto">
           <a:xfrm>
             <a:off x="6521450" y="3364597"/>
-            <a:ext cx="946150" cy="336550"/>
+            <a:ext cx="831703" cy="344710"/>
           </a:xfrm>
           <a:prstGeom prst="rect">
             <a:avLst/>
@@ -9669,6 +9895,8 @@
                 <a:solidFill>
                   <a:schemeClr val="tx2"/>
                 </a:solidFill>
+                <a:latin typeface="Calibri" pitchFamily="34" charset="0"/>
+                <a:cs typeface="Calibri" pitchFamily="34" charset="0"/>
               </a:rPr>
               <a:t>Linker</a:t>
             </a:r>
@@ -9684,7 +9912,7 @@
         <p:spPr>
           <a:xfrm>
             <a:off x="6432550" y="2176463"/>
-            <a:ext cx="1944688" cy="536575"/>
+            <a:ext cx="2140394" cy="541046"/>
           </a:xfrm>
           <a:prstGeom prst="rect">
             <a:avLst/>
@@ -9709,7 +9937,8 @@
                 <a:solidFill>
                   <a:schemeClr val="tx2"/>
                 </a:solidFill>
-                <a:latin typeface="Arial Narrow" pitchFamily="34" charset="0"/>
+                <a:latin typeface="Calibri" pitchFamily="34" charset="0"/>
+                <a:cs typeface="Calibri" pitchFamily="34" charset="0"/>
               </a:rPr>
               <a:t>User can create their</a:t>
             </a:r>
@@ -9718,7 +9947,8 @@
                 <a:solidFill>
                   <a:schemeClr val="tx2"/>
                 </a:solidFill>
-                <a:latin typeface="Arial Narrow" pitchFamily="34" charset="0"/>
+                <a:latin typeface="Calibri" pitchFamily="34" charset="0"/>
+                <a:cs typeface="Calibri" pitchFamily="34" charset="0"/>
               </a:rPr>
             </a:br>
             <a:r>
@@ -9726,7 +9956,8 @@
                 <a:solidFill>
                   <a:schemeClr val="tx2"/>
                 </a:solidFill>
-                <a:latin typeface="Arial Narrow" pitchFamily="34" charset="0"/>
+                <a:latin typeface="Calibri" pitchFamily="34" charset="0"/>
+                <a:cs typeface="Calibri" pitchFamily="34" charset="0"/>
               </a:rPr>
               <a:t>own </a:t>
             </a:r>
@@ -9735,7 +9966,8 @@
                 <a:solidFill>
                   <a:schemeClr val="tx2"/>
                 </a:solidFill>
-                <a:latin typeface="Arial Narrow" pitchFamily="34" charset="0"/>
+                <a:latin typeface="Calibri" pitchFamily="34" charset="0"/>
+                <a:cs typeface="Calibri" pitchFamily="34" charset="0"/>
               </a:rPr>
               <a:t>config</a:t>
             </a:r>
@@ -9744,7 +9976,8 @@
                 <a:solidFill>
                   <a:schemeClr val="tx2"/>
                 </a:solidFill>
-                <a:latin typeface="Arial Narrow" pitchFamily="34" charset="0"/>
+                <a:latin typeface="Calibri" pitchFamily="34" charset="0"/>
+                <a:cs typeface="Calibri" pitchFamily="34" charset="0"/>
               </a:rPr>
               <a:t> if desired</a:t>
             </a:r>
@@ -9992,6 +10225,8 @@
                 <a:solidFill>
                   <a:srgbClr val="000000"/>
                 </a:solidFill>
+                <a:latin typeface="Calibri" pitchFamily="34" charset="0"/>
+                <a:cs typeface="Calibri" pitchFamily="34" charset="0"/>
               </a:rPr>
               <a:t>Intro to CCSv5</a:t>
             </a:r>
@@ -9999,6 +10234,8 @@
               <a:solidFill>
                 <a:srgbClr val="000000"/>
               </a:solidFill>
+              <a:latin typeface="Calibri" pitchFamily="34" charset="0"/>
+              <a:cs typeface="Calibri" pitchFamily="34" charset="0"/>
             </a:endParaRPr>
           </a:p>
         </p:txBody>
@@ -10058,6 +10295,8 @@
                 <a:solidFill>
                   <a:srgbClr val="000000"/>
                 </a:solidFill>
+                <a:latin typeface="Calibri" pitchFamily="34" charset="0"/>
+                <a:cs typeface="Calibri" pitchFamily="34" charset="0"/>
               </a:rPr>
               <a:t>Functional Overview</a:t>
             </a:r>
@@ -10065,6 +10304,8 @@
               <a:solidFill>
                 <a:srgbClr val="000000"/>
               </a:solidFill>
+              <a:latin typeface="Calibri" pitchFamily="34" charset="0"/>
+              <a:cs typeface="Calibri" pitchFamily="34" charset="0"/>
             </a:endParaRPr>
           </a:p>
         </p:txBody>
@@ -10124,6 +10365,8 @@
                 <a:solidFill>
                   <a:srgbClr val="000000"/>
                 </a:solidFill>
+                <a:latin typeface="Calibri" pitchFamily="34" charset="0"/>
+                <a:cs typeface="Calibri" pitchFamily="34" charset="0"/>
               </a:rPr>
               <a:t>Perspectives</a:t>
             </a:r>
@@ -10131,6 +10374,8 @@
               <a:solidFill>
                 <a:srgbClr val="000000"/>
               </a:solidFill>
+              <a:latin typeface="Calibri" pitchFamily="34" charset="0"/>
+              <a:cs typeface="Calibri" pitchFamily="34" charset="0"/>
             </a:endParaRPr>
           </a:p>
         </p:txBody>
@@ -10190,6 +10435,8 @@
                 <a:solidFill>
                   <a:srgbClr val="000000"/>
                 </a:solidFill>
+                <a:latin typeface="Calibri" pitchFamily="34" charset="0"/>
+                <a:cs typeface="Calibri" pitchFamily="34" charset="0"/>
               </a:rPr>
               <a:t>Projects</a:t>
             </a:r>
@@ -10197,6 +10444,8 @@
               <a:solidFill>
                 <a:srgbClr val="000000"/>
               </a:solidFill>
+              <a:latin typeface="Calibri" pitchFamily="34" charset="0"/>
+              <a:cs typeface="Calibri" pitchFamily="34" charset="0"/>
             </a:endParaRPr>
           </a:p>
         </p:txBody>
@@ -10256,6 +10505,8 @@
                 <a:solidFill>
                   <a:srgbClr val="000000"/>
                 </a:solidFill>
+                <a:latin typeface="Calibri" pitchFamily="34" charset="0"/>
+                <a:cs typeface="Calibri" pitchFamily="34" charset="0"/>
               </a:rPr>
               <a:t>Target Configuration</a:t>
             </a:r>
@@ -10263,6 +10514,8 @@
               <a:solidFill>
                 <a:srgbClr val="000000"/>
               </a:solidFill>
+              <a:latin typeface="Calibri" pitchFamily="34" charset="0"/>
+              <a:cs typeface="Calibri" pitchFamily="34" charset="0"/>
             </a:endParaRPr>
           </a:p>
         </p:txBody>
@@ -10322,6 +10575,8 @@
                 <a:solidFill>
                   <a:srgbClr val="000000"/>
                 </a:solidFill>
+                <a:latin typeface="Calibri" pitchFamily="34" charset="0"/>
+                <a:cs typeface="Calibri" pitchFamily="34" charset="0"/>
               </a:rPr>
               <a:t>Build Config &amp; Options</a:t>
             </a:r>
@@ -10329,6 +10584,8 @@
               <a:solidFill>
                 <a:srgbClr val="000000"/>
               </a:solidFill>
+              <a:latin typeface="Calibri" pitchFamily="34" charset="0"/>
+              <a:cs typeface="Calibri" pitchFamily="34" charset="0"/>
             </a:endParaRPr>
           </a:p>
         </p:txBody>
@@ -10392,6 +10649,8 @@
                 <a:solidFill>
                   <a:srgbClr val="000000"/>
                 </a:solidFill>
+                <a:latin typeface="Calibri" pitchFamily="34" charset="0"/>
+                <a:cs typeface="Calibri" pitchFamily="34" charset="0"/>
               </a:rPr>
               <a:t>Licensing/Pricing</a:t>
             </a:r>
@@ -10399,6 +10658,8 @@
               <a:solidFill>
                 <a:srgbClr val="000000"/>
               </a:solidFill>
+              <a:latin typeface="Calibri" pitchFamily="34" charset="0"/>
+              <a:cs typeface="Calibri" pitchFamily="34" charset="0"/>
             </a:endParaRPr>
           </a:p>
         </p:txBody>
@@ -10458,6 +10719,8 @@
                 <a:solidFill>
                   <a:srgbClr val="000000"/>
                 </a:solidFill>
+                <a:latin typeface="Calibri" pitchFamily="34" charset="0"/>
+                <a:cs typeface="Calibri" pitchFamily="34" charset="0"/>
               </a:rPr>
               <a:t>CCSv5 – For More Info…</a:t>
             </a:r>
@@ -10465,6 +10728,8 @@
               <a:solidFill>
                 <a:srgbClr val="000000"/>
               </a:solidFill>
+              <a:latin typeface="Calibri" pitchFamily="34" charset="0"/>
+              <a:cs typeface="Calibri" pitchFamily="34" charset="0"/>
             </a:endParaRPr>
           </a:p>
         </p:txBody>
@@ -10547,7 +10812,7 @@
           <a:lstStyle/>
           <a:p>
             <a:r>
-              <a:rPr lang="en-US" smtClean="0">
+              <a:rPr lang="en-US" dirty="0" smtClean="0">
                 <a:solidFill>
                   <a:schemeClr val="tx1"/>
                 </a:solidFill>
@@ -10616,6 +10881,8 @@
                 <a:solidFill>
                   <a:srgbClr val="000000"/>
                 </a:solidFill>
+                <a:latin typeface="Calibri" pitchFamily="34" charset="0"/>
+                <a:cs typeface="Calibri" pitchFamily="34" charset="0"/>
               </a:rPr>
               <a:t>Intro to CCSv5</a:t>
             </a:r>
@@ -10623,6 +10890,8 @@
               <a:solidFill>
                 <a:srgbClr val="000000"/>
               </a:solidFill>
+              <a:latin typeface="Calibri" pitchFamily="34" charset="0"/>
+              <a:cs typeface="Calibri" pitchFamily="34" charset="0"/>
             </a:endParaRPr>
           </a:p>
         </p:txBody>
@@ -10682,6 +10951,8 @@
                 <a:solidFill>
                   <a:srgbClr val="000000"/>
                 </a:solidFill>
+                <a:latin typeface="Calibri" pitchFamily="34" charset="0"/>
+                <a:cs typeface="Calibri" pitchFamily="34" charset="0"/>
               </a:rPr>
               <a:t>Functional Overview</a:t>
             </a:r>
@@ -10689,6 +10960,8 @@
               <a:solidFill>
                 <a:srgbClr val="000000"/>
               </a:solidFill>
+              <a:latin typeface="Calibri" pitchFamily="34" charset="0"/>
+              <a:cs typeface="Calibri" pitchFamily="34" charset="0"/>
             </a:endParaRPr>
           </a:p>
         </p:txBody>
@@ -10748,6 +11021,8 @@
                 <a:solidFill>
                   <a:srgbClr val="000000"/>
                 </a:solidFill>
+                <a:latin typeface="Calibri" pitchFamily="34" charset="0"/>
+                <a:cs typeface="Calibri" pitchFamily="34" charset="0"/>
               </a:rPr>
               <a:t>Perspectives</a:t>
             </a:r>
@@ -10755,6 +11030,8 @@
               <a:solidFill>
                 <a:srgbClr val="000000"/>
               </a:solidFill>
+              <a:latin typeface="Calibri" pitchFamily="34" charset="0"/>
+              <a:cs typeface="Calibri" pitchFamily="34" charset="0"/>
             </a:endParaRPr>
           </a:p>
         </p:txBody>
@@ -10810,10 +11087,12 @@
               <a:buChar char=""/>
             </a:pPr>
             <a:r>
-              <a:rPr lang="en-US" smtClean="0">
+              <a:rPr lang="en-US" dirty="0" smtClean="0">
                 <a:solidFill>
                   <a:srgbClr val="000000"/>
                 </a:solidFill>
+                <a:latin typeface="Calibri" pitchFamily="34" charset="0"/>
+                <a:cs typeface="Calibri" pitchFamily="34" charset="0"/>
               </a:rPr>
               <a:t>Projects</a:t>
             </a:r>
@@ -10821,6 +11100,8 @@
               <a:solidFill>
                 <a:srgbClr val="000000"/>
               </a:solidFill>
+              <a:latin typeface="Calibri" pitchFamily="34" charset="0"/>
+              <a:cs typeface="Calibri" pitchFamily="34" charset="0"/>
             </a:endParaRPr>
           </a:p>
         </p:txBody>
@@ -10880,6 +11161,8 @@
                 <a:solidFill>
                   <a:srgbClr val="000000"/>
                 </a:solidFill>
+                <a:latin typeface="Calibri" pitchFamily="34" charset="0"/>
+                <a:cs typeface="Calibri" pitchFamily="34" charset="0"/>
               </a:rPr>
               <a:t>Target Configuration</a:t>
             </a:r>
@@ -10887,6 +11170,8 @@
               <a:solidFill>
                 <a:srgbClr val="000000"/>
               </a:solidFill>
+              <a:latin typeface="Calibri" pitchFamily="34" charset="0"/>
+              <a:cs typeface="Calibri" pitchFamily="34" charset="0"/>
             </a:endParaRPr>
           </a:p>
         </p:txBody>
@@ -10946,6 +11231,8 @@
                 <a:solidFill>
                   <a:srgbClr val="000000"/>
                 </a:solidFill>
+                <a:latin typeface="Calibri" pitchFamily="34" charset="0"/>
+                <a:cs typeface="Calibri" pitchFamily="34" charset="0"/>
               </a:rPr>
               <a:t>Build Config &amp; Options</a:t>
             </a:r>
@@ -10953,6 +11240,8 @@
               <a:solidFill>
                 <a:srgbClr val="000000"/>
               </a:solidFill>
+              <a:latin typeface="Calibri" pitchFamily="34" charset="0"/>
+              <a:cs typeface="Calibri" pitchFamily="34" charset="0"/>
             </a:endParaRPr>
           </a:p>
         </p:txBody>
@@ -11012,6 +11301,8 @@
                 <a:solidFill>
                   <a:srgbClr val="000000"/>
                 </a:solidFill>
+                <a:latin typeface="Calibri" pitchFamily="34" charset="0"/>
+                <a:cs typeface="Calibri" pitchFamily="34" charset="0"/>
               </a:rPr>
               <a:t>Licensing/Pricing</a:t>
             </a:r>
@@ -11019,6 +11310,8 @@
               <a:solidFill>
                 <a:srgbClr val="000000"/>
               </a:solidFill>
+              <a:latin typeface="Calibri" pitchFamily="34" charset="0"/>
+              <a:cs typeface="Calibri" pitchFamily="34" charset="0"/>
             </a:endParaRPr>
           </a:p>
         </p:txBody>
@@ -11078,6 +11371,8 @@
                 <a:solidFill>
                   <a:srgbClr val="000000"/>
                 </a:solidFill>
+                <a:latin typeface="Calibri" pitchFamily="34" charset="0"/>
+                <a:cs typeface="Calibri" pitchFamily="34" charset="0"/>
               </a:rPr>
               <a:t>CCSv5 – For More Info…</a:t>
             </a:r>
@@ -11085,6 +11380,8 @@
               <a:solidFill>
                 <a:srgbClr val="000000"/>
               </a:solidFill>
+              <a:latin typeface="Calibri" pitchFamily="34" charset="0"/>
+              <a:cs typeface="Calibri" pitchFamily="34" charset="0"/>
             </a:endParaRPr>
           </a:p>
         </p:txBody>
@@ -13099,7 +13396,7 @@
         <p:spPr bwMode="auto">
           <a:xfrm>
             <a:off x="111456" y="682117"/>
-            <a:ext cx="1947863" cy="420688"/>
+            <a:ext cx="1694695" cy="424732"/>
           </a:xfrm>
           <a:prstGeom prst="rect">
             <a:avLst/>
@@ -13130,7 +13427,10 @@
               <a:buChar char=""/>
             </a:pPr>
             <a:r>
-              <a:rPr lang="en-US"/>
+              <a:rPr lang="en-US" dirty="0">
+                <a:latin typeface="Calibri" pitchFamily="34" charset="0"/>
+                <a:cs typeface="Calibri" pitchFamily="34" charset="0"/>
+              </a:rPr>
               <a:t>Licensing</a:t>
             </a:r>
           </a:p>
@@ -13147,7 +13447,7 @@
         <p:spPr bwMode="auto">
           <a:xfrm>
             <a:off x="492456" y="1144080"/>
-            <a:ext cx="6343650" cy="1130300"/>
+            <a:ext cx="6866688" cy="1144929"/>
           </a:xfrm>
           <a:prstGeom prst="rect">
             <a:avLst/>
@@ -13172,7 +13472,8 @@
             </a:pPr>
             <a:r>
               <a:rPr lang="en-US" sz="2000">
-                <a:latin typeface="Arial Narrow" pitchFamily="34" charset="0"/>
+                <a:latin typeface="Calibri" pitchFamily="34" charset="0"/>
+                <a:cs typeface="Calibri" pitchFamily="34" charset="0"/>
               </a:rPr>
               <a:t>  Wide variety of options (node locked, floating, time based…)</a:t>
             </a:r>
@@ -13184,7 +13485,8 @@
             </a:pPr>
             <a:r>
               <a:rPr lang="en-US" sz="2000">
-                <a:latin typeface="Arial Narrow" pitchFamily="34" charset="0"/>
+                <a:latin typeface="Calibri" pitchFamily="34" charset="0"/>
+                <a:cs typeface="Calibri" pitchFamily="34" charset="0"/>
               </a:rPr>
               <a:t>  All versions (full, DSK, free tools) use same image</a:t>
             </a:r>
@@ -13196,7 +13498,8 @@
             </a:pPr>
             <a:r>
               <a:rPr lang="en-US" sz="2000">
-                <a:latin typeface="Arial Narrow" pitchFamily="34" charset="0"/>
+                <a:latin typeface="Calibri" pitchFamily="34" charset="0"/>
+                <a:cs typeface="Calibri" pitchFamily="34" charset="0"/>
               </a:rPr>
               <a:t>  Updates readily available via the internet</a:t>
             </a:r>
@@ -13214,7 +13517,7 @@
         <p:spPr bwMode="auto">
           <a:xfrm>
             <a:off x="111456" y="2434717"/>
-            <a:ext cx="1558925" cy="420688"/>
+            <a:ext cx="1393330" cy="424732"/>
           </a:xfrm>
           <a:prstGeom prst="rect">
             <a:avLst/>
@@ -13245,7 +13548,10 @@
               <a:buChar char=""/>
             </a:pPr>
             <a:r>
-              <a:rPr lang="en-US"/>
+              <a:rPr lang="en-US">
+                <a:latin typeface="Calibri" pitchFamily="34" charset="0"/>
+                <a:cs typeface="Calibri" pitchFamily="34" charset="0"/>
+              </a:rPr>
               <a:t>Pricing</a:t>
             </a:r>
           </a:p>
@@ -13262,7 +13568,7 @@
         <p:spPr bwMode="auto">
           <a:xfrm>
             <a:off x="492456" y="2891917"/>
-            <a:ext cx="6054725" cy="336550"/>
+            <a:ext cx="6394251" cy="344710"/>
           </a:xfrm>
           <a:prstGeom prst="rect">
             <a:avLst/>
@@ -13287,7 +13593,8 @@
             </a:pPr>
             <a:r>
               <a:rPr lang="en-US" sz="2000">
-                <a:latin typeface="Arial Narrow" pitchFamily="34" charset="0"/>
+                <a:latin typeface="Calibri" pitchFamily="34" charset="0"/>
+                <a:cs typeface="Calibri" pitchFamily="34" charset="0"/>
               </a:rPr>
               <a:t>  Reasonable pricing – includes FREE options noted below</a:t>
             </a:r>
@@ -13305,7 +13612,7 @@
         <p:spPr bwMode="auto">
           <a:xfrm>
             <a:off x="990600" y="6238875"/>
-            <a:ext cx="6737742" cy="313932"/>
+            <a:ext cx="7339381" cy="313932"/>
           </a:xfrm>
           <a:prstGeom prst="rect">
             <a:avLst/>
@@ -13329,42 +13636,93 @@
                 <a:solidFill>
                   <a:srgbClr val="000000"/>
                 </a:solidFill>
-                <a:latin typeface="Arial Narrow" pitchFamily="34" charset="0"/>
+                <a:latin typeface="Calibri" pitchFamily="34" charset="0"/>
+                <a:cs typeface="Calibri" pitchFamily="34" charset="0"/>
                 <a:sym typeface="Wingdings" pitchFamily="2" charset="2"/>
               </a:rPr>
-              <a:t> - recommended option: purchase </a:t>
+              <a:t> - </a:t>
             </a:r>
             <a:r>
               <a:rPr lang="en-CA" sz="1800" b="0" dirty="0" smtClean="0">
                 <a:solidFill>
                   <a:srgbClr val="000000"/>
                 </a:solidFill>
-                <a:latin typeface="Arial Narrow" pitchFamily="34" charset="0"/>
+                <a:latin typeface="Calibri" pitchFamily="34" charset="0"/>
+                <a:cs typeface="Calibri" pitchFamily="34" charset="0"/>
                 <a:sym typeface="Wingdings" pitchFamily="2" charset="2"/>
               </a:rPr>
-              <a:t>Dev Kit, use XDS100v1-2, </a:t>
+              <a:t>Recommended </a:t>
             </a:r>
             <a:r>
               <a:rPr lang="en-CA" sz="1800" b="0" dirty="0">
                 <a:solidFill>
                   <a:srgbClr val="000000"/>
                 </a:solidFill>
-                <a:latin typeface="Arial Narrow" pitchFamily="34" charset="0"/>
+                <a:latin typeface="Calibri" pitchFamily="34" charset="0"/>
+                <a:cs typeface="Calibri" pitchFamily="34" charset="0"/>
                 <a:sym typeface="Wingdings" pitchFamily="2" charset="2"/>
               </a:rPr>
-              <a:t>&amp; Free </a:t>
+              <a:t>O</a:t>
             </a:r>
             <a:r>
               <a:rPr lang="en-CA" sz="1800" b="0" dirty="0" smtClean="0">
                 <a:solidFill>
                   <a:srgbClr val="000000"/>
                 </a:solidFill>
-                <a:latin typeface="Arial Narrow" pitchFamily="34" charset="0"/>
+                <a:latin typeface="Calibri" pitchFamily="34" charset="0"/>
+                <a:cs typeface="Calibri" pitchFamily="34" charset="0"/>
+                <a:sym typeface="Wingdings" pitchFamily="2" charset="2"/>
+              </a:rPr>
+              <a:t>ption</a:t>
+            </a:r>
+            <a:r>
+              <a:rPr lang="en-CA" sz="1800" b="0" dirty="0">
+                <a:solidFill>
+                  <a:srgbClr val="000000"/>
+                </a:solidFill>
+                <a:latin typeface="Calibri" pitchFamily="34" charset="0"/>
+                <a:cs typeface="Calibri" pitchFamily="34" charset="0"/>
+                <a:sym typeface="Wingdings" pitchFamily="2" charset="2"/>
+              </a:rPr>
+              <a:t>: purchase </a:t>
+            </a:r>
+            <a:r>
+              <a:rPr lang="en-CA" sz="1800" b="0" dirty="0" smtClean="0">
+                <a:solidFill>
+                  <a:srgbClr val="000000"/>
+                </a:solidFill>
+                <a:latin typeface="Calibri" pitchFamily="34" charset="0"/>
+                <a:cs typeface="Calibri" pitchFamily="34" charset="0"/>
+                <a:sym typeface="Wingdings" pitchFamily="2" charset="2"/>
+              </a:rPr>
+              <a:t>Dev Kit, use XDS100v1-2, </a:t>
+            </a:r>
+            <a:r>
+              <a:rPr lang="en-CA" sz="1800" b="0" dirty="0">
+                <a:solidFill>
+                  <a:srgbClr val="000000"/>
+                </a:solidFill>
+                <a:latin typeface="Calibri" pitchFamily="34" charset="0"/>
+                <a:cs typeface="Calibri" pitchFamily="34" charset="0"/>
+                <a:sym typeface="Wingdings" pitchFamily="2" charset="2"/>
+              </a:rPr>
+              <a:t>&amp; Free </a:t>
+            </a:r>
+            <a:r>
+              <a:rPr lang="en-CA" sz="1800" b="0" dirty="0" smtClean="0">
+                <a:solidFill>
+                  <a:srgbClr val="000000"/>
+                </a:solidFill>
+                <a:latin typeface="Calibri" pitchFamily="34" charset="0"/>
+                <a:cs typeface="Calibri" pitchFamily="34" charset="0"/>
                 <a:sym typeface="Wingdings" pitchFamily="2" charset="2"/>
               </a:rPr>
               <a:t>CCSv5</a:t>
             </a:r>
-            <a:endParaRPr lang="en-US" sz="1800" dirty="0"/>
+            <a:endParaRPr lang="en-US" sz="1800" dirty="0">
+              <a:latin typeface="Calibri" pitchFamily="34" charset="0"/>
+              <a:cs typeface="Calibri" pitchFamily="34" charset="0"/>
+            </a:endParaRPr>
           </a:p>
         </p:txBody>
       </p:sp>
@@ -13606,6 +13964,8 @@
                 <a:solidFill>
                   <a:srgbClr val="000000"/>
                 </a:solidFill>
+                <a:latin typeface="Calibri" pitchFamily="34" charset="0"/>
+                <a:cs typeface="Calibri" pitchFamily="34" charset="0"/>
               </a:rPr>
               <a:t>Intro to CCSv5</a:t>
             </a:r>
@@ -13613,6 +13973,8 @@
               <a:solidFill>
                 <a:srgbClr val="000000"/>
               </a:solidFill>
+              <a:latin typeface="Calibri" pitchFamily="34" charset="0"/>
+              <a:cs typeface="Calibri" pitchFamily="34" charset="0"/>
             </a:endParaRPr>
           </a:p>
         </p:txBody>
@@ -13672,6 +14034,8 @@
                 <a:solidFill>
                   <a:srgbClr val="000000"/>
                 </a:solidFill>
+                <a:latin typeface="Calibri" pitchFamily="34" charset="0"/>
+                <a:cs typeface="Calibri" pitchFamily="34" charset="0"/>
               </a:rPr>
               <a:t>Functional Overview</a:t>
             </a:r>
@@ -13679,6 +14043,8 @@
               <a:solidFill>
                 <a:srgbClr val="000000"/>
               </a:solidFill>
+              <a:latin typeface="Calibri" pitchFamily="34" charset="0"/>
+              <a:cs typeface="Calibri" pitchFamily="34" charset="0"/>
             </a:endParaRPr>
           </a:p>
         </p:txBody>
@@ -13734,10 +14100,12 @@
               <a:buChar char=""/>
             </a:pPr>
             <a:r>
-              <a:rPr lang="en-US" smtClean="0">
+              <a:rPr lang="en-US" dirty="0" smtClean="0">
                 <a:solidFill>
                   <a:srgbClr val="000000"/>
                 </a:solidFill>
+                <a:latin typeface="Calibri" pitchFamily="34" charset="0"/>
+                <a:cs typeface="Calibri" pitchFamily="34" charset="0"/>
               </a:rPr>
               <a:t>Perspectives</a:t>
             </a:r>
@@ -13745,6 +14113,8 @@
               <a:solidFill>
                 <a:srgbClr val="000000"/>
               </a:solidFill>
+              <a:latin typeface="Calibri" pitchFamily="34" charset="0"/>
+              <a:cs typeface="Calibri" pitchFamily="34" charset="0"/>
             </a:endParaRPr>
           </a:p>
         </p:txBody>
@@ -13800,10 +14170,12 @@
               <a:buChar char=""/>
             </a:pPr>
             <a:r>
-              <a:rPr lang="en-US" smtClean="0">
+              <a:rPr lang="en-US" dirty="0" smtClean="0">
                 <a:solidFill>
                   <a:srgbClr val="000000"/>
                 </a:solidFill>
+                <a:latin typeface="Calibri" pitchFamily="34" charset="0"/>
+                <a:cs typeface="Calibri" pitchFamily="34" charset="0"/>
               </a:rPr>
               <a:t>Projects</a:t>
             </a:r>
@@ -13811,6 +14183,8 @@
               <a:solidFill>
                 <a:srgbClr val="000000"/>
               </a:solidFill>
+              <a:latin typeface="Calibri" pitchFamily="34" charset="0"/>
+              <a:cs typeface="Calibri" pitchFamily="34" charset="0"/>
             </a:endParaRPr>
           </a:p>
         </p:txBody>
@@ -13870,6 +14244,8 @@
                 <a:solidFill>
                   <a:srgbClr val="000000"/>
                 </a:solidFill>
+                <a:latin typeface="Calibri" pitchFamily="34" charset="0"/>
+                <a:cs typeface="Calibri" pitchFamily="34" charset="0"/>
               </a:rPr>
               <a:t>Target Configuration</a:t>
             </a:r>
@@ -13877,6 +14253,8 @@
               <a:solidFill>
                 <a:srgbClr val="000000"/>
               </a:solidFill>
+              <a:latin typeface="Calibri" pitchFamily="34" charset="0"/>
+              <a:cs typeface="Calibri" pitchFamily="34" charset="0"/>
             </a:endParaRPr>
           </a:p>
         </p:txBody>
@@ -13936,6 +14314,8 @@
                 <a:solidFill>
                   <a:srgbClr val="000000"/>
                 </a:solidFill>
+                <a:latin typeface="Calibri" pitchFamily="34" charset="0"/>
+                <a:cs typeface="Calibri" pitchFamily="34" charset="0"/>
               </a:rPr>
               <a:t>Build Config &amp; Options</a:t>
             </a:r>
@@ -13943,6 +14323,8 @@
               <a:solidFill>
                 <a:srgbClr val="000000"/>
               </a:solidFill>
+              <a:latin typeface="Calibri" pitchFamily="34" charset="0"/>
+              <a:cs typeface="Calibri" pitchFamily="34" charset="0"/>
             </a:endParaRPr>
           </a:p>
         </p:txBody>
@@ -14002,6 +14384,8 @@
                 <a:solidFill>
                   <a:srgbClr val="000000"/>
                 </a:solidFill>
+                <a:latin typeface="Calibri" pitchFamily="34" charset="0"/>
+                <a:cs typeface="Calibri" pitchFamily="34" charset="0"/>
               </a:rPr>
               <a:t>Licensing/Pricing</a:t>
             </a:r>
@@ -14009,6 +14393,8 @@
               <a:solidFill>
                 <a:srgbClr val="000000"/>
               </a:solidFill>
+              <a:latin typeface="Calibri" pitchFamily="34" charset="0"/>
+              <a:cs typeface="Calibri" pitchFamily="34" charset="0"/>
             </a:endParaRPr>
           </a:p>
         </p:txBody>
@@ -14072,6 +14458,8 @@
                 <a:solidFill>
                   <a:srgbClr val="000000"/>
                 </a:solidFill>
+                <a:latin typeface="Calibri" pitchFamily="34" charset="0"/>
+                <a:cs typeface="Calibri" pitchFamily="34" charset="0"/>
               </a:rPr>
               <a:t>CCSv5– For More Info…</a:t>
             </a:r>
@@ -14079,6 +14467,8 @@
               <a:solidFill>
                 <a:srgbClr val="000000"/>
               </a:solidFill>
+              <a:latin typeface="Calibri" pitchFamily="34" charset="0"/>
+              <a:cs typeface="Calibri" pitchFamily="34" charset="0"/>
             </a:endParaRPr>
           </a:p>
         </p:txBody>
@@ -14138,7 +14528,7 @@
           <a:p>
             <a:r>
               <a:rPr lang="en-US" dirty="0" smtClean="0"/>
-              <a:t>CCSv5 – For More Info…</a:t>
+              <a:t>CCSv5 – For More Information</a:t>
             </a:r>
           </a:p>
         </p:txBody>
@@ -14154,7 +14544,7 @@
         <p:spPr bwMode="auto">
           <a:xfrm>
             <a:off x="0" y="1676400"/>
-            <a:ext cx="2169184" cy="437043"/>
+            <a:ext cx="1540422" cy="445635"/>
           </a:xfrm>
           <a:prstGeom prst="rect">
             <a:avLst/>
@@ -14178,11 +14568,12 @@
                 <a:schemeClr val="tx2"/>
               </a:buClr>
               <a:buSzPct val="75000"/>
-              <a:buFont typeface="Wingdings" pitchFamily="2" charset="2"/>
-              <a:buChar char=""/>
             </a:pPr>
             <a:r>
-              <a:rPr lang="en-US" sz="2800" dirty="0"/>
+              <a:rPr lang="en-US" sz="2800" dirty="0">
+                <a:latin typeface="Calibri" pitchFamily="34" charset="0"/>
+                <a:cs typeface="Calibri" pitchFamily="34" charset="0"/>
+              </a:rPr>
               <a:t>Links for:</a:t>
             </a:r>
           </a:p>
@@ -14199,7 +14590,7 @@
         <p:spPr bwMode="auto">
           <a:xfrm>
             <a:off x="381000" y="2133600"/>
-            <a:ext cx="2815194" cy="2788456"/>
+            <a:ext cx="2590800" cy="3083921"/>
           </a:xfrm>
           <a:prstGeom prst="rect">
             <a:avLst/>
@@ -14213,7 +14604,7 @@
           </a:ln>
         </p:spPr>
         <p:txBody>
-          <a:bodyPr wrap="none">
+          <a:bodyPr wrap="square">
             <a:spAutoFit/>
           </a:bodyPr>
           <a:lstStyle/>
@@ -14224,18 +14615,34 @@
             </a:pPr>
             <a:r>
               <a:rPr lang="en-US" dirty="0">
-                <a:latin typeface="Arial Narrow" pitchFamily="34" charset="0"/>
+                <a:latin typeface="Calibri" pitchFamily="34" charset="0"/>
+                <a:cs typeface="Calibri" pitchFamily="34" charset="0"/>
               </a:rPr>
-              <a:t> Downloading </a:t>
+              <a:t> </a:t>
             </a:r>
             <a:r>
               <a:rPr lang="en-US" dirty="0" smtClean="0">
-                <a:latin typeface="Arial Narrow" pitchFamily="34" charset="0"/>
+                <a:latin typeface="Calibri" pitchFamily="34" charset="0"/>
+                <a:cs typeface="Calibri" pitchFamily="34" charset="0"/>
               </a:rPr>
-              <a:t>CCSv5</a:t>
+              <a:t>Downloading</a:t>
+            </a:r>
+            <a:br>
+              <a:rPr lang="en-US" dirty="0" smtClean="0">
+                <a:latin typeface="Calibri" pitchFamily="34" charset="0"/>
+                <a:cs typeface="Calibri" pitchFamily="34" charset="0"/>
+              </a:rPr>
+            </a:br>
+            <a:r>
+              <a:rPr lang="en-US" dirty="0" smtClean="0">
+                <a:latin typeface="Calibri" pitchFamily="34" charset="0"/>
+                <a:cs typeface="Calibri" pitchFamily="34" charset="0"/>
+              </a:rPr>
+              <a:t>   CCSv5</a:t>
             </a:r>
             <a:endParaRPr lang="en-US" dirty="0">
-              <a:latin typeface="Arial Narrow" pitchFamily="34" charset="0"/>
+              <a:latin typeface="Calibri" pitchFamily="34" charset="0"/>
+              <a:cs typeface="Calibri" pitchFamily="34" charset="0"/>
             </a:endParaRPr>
           </a:p>
           <a:p>
@@ -14245,7 +14652,8 @@
             </a:pPr>
             <a:r>
               <a:rPr lang="en-US" dirty="0">
-                <a:latin typeface="Arial Narrow" pitchFamily="34" charset="0"/>
+                <a:latin typeface="Calibri" pitchFamily="34" charset="0"/>
+                <a:cs typeface="Calibri" pitchFamily="34" charset="0"/>
               </a:rPr>
               <a:t> Installation Help</a:t>
             </a:r>
@@ -14257,7 +14665,8 @@
             </a:pPr>
             <a:r>
               <a:rPr lang="en-US" dirty="0">
-                <a:latin typeface="Arial Narrow" pitchFamily="34" charset="0"/>
+                <a:latin typeface="Calibri" pitchFamily="34" charset="0"/>
+                <a:cs typeface="Calibri" pitchFamily="34" charset="0"/>
               </a:rPr>
               <a:t> Licensing </a:t>
             </a:r>
@@ -14269,7 +14678,8 @@
             </a:pPr>
             <a:r>
               <a:rPr lang="en-US" dirty="0">
-                <a:latin typeface="Arial Narrow" pitchFamily="34" charset="0"/>
+                <a:latin typeface="Calibri" pitchFamily="34" charset="0"/>
+                <a:cs typeface="Calibri" pitchFamily="34" charset="0"/>
               </a:rPr>
               <a:t> Tutorials</a:t>
             </a:r>
@@ -14281,7 +14691,8 @@
             </a:pPr>
             <a:r>
               <a:rPr lang="en-US" dirty="0">
-                <a:latin typeface="Arial Narrow" pitchFamily="34" charset="0"/>
+                <a:latin typeface="Calibri" pitchFamily="34" charset="0"/>
+                <a:cs typeface="Calibri" pitchFamily="34" charset="0"/>
               </a:rPr>
               <a:t> BIOS Projects</a:t>
             </a:r>
@@ -14293,10 +14704,22 @@
             </a:pPr>
             <a:r>
               <a:rPr lang="en-US" dirty="0">
-                <a:latin typeface="Arial Narrow" pitchFamily="34" charset="0"/>
+                <a:latin typeface="Calibri" pitchFamily="34" charset="0"/>
+                <a:cs typeface="Calibri" pitchFamily="34" charset="0"/>
               </a:rPr>
-              <a:t> Etc.</a:t>
-            </a:r>
+              <a:t> </a:t>
+            </a:r>
+            <a:r>
+              <a:rPr lang="en-US" dirty="0" smtClean="0">
+                <a:latin typeface="Calibri" pitchFamily="34" charset="0"/>
+                <a:cs typeface="Calibri" pitchFamily="34" charset="0"/>
+              </a:rPr>
+              <a:t>ETC.</a:t>
+            </a:r>
+            <a:endParaRPr lang="en-US" dirty="0">
+              <a:latin typeface="Calibri" pitchFamily="34" charset="0"/>
+              <a:cs typeface="Calibri" pitchFamily="34" charset="0"/>
+            </a:endParaRPr>
           </a:p>
         </p:txBody>
       </p:sp>
@@ -14508,7 +14931,7 @@
           <a:lstStyle/>
           <a:p>
             <a:r>
-              <a:rPr lang="en-US" smtClean="0">
+              <a:rPr lang="en-US" dirty="0" smtClean="0">
                 <a:solidFill>
                   <a:schemeClr val="tx1"/>
                 </a:solidFill>
@@ -14573,6 +14996,8 @@
                 <a:solidFill>
                   <a:srgbClr val="000000"/>
                 </a:solidFill>
+                <a:latin typeface="Calibri" pitchFamily="34" charset="0"/>
+                <a:cs typeface="Calibri" pitchFamily="34" charset="0"/>
               </a:rPr>
               <a:t>Intro to CCSv5</a:t>
             </a:r>
@@ -14580,6 +15005,8 @@
               <a:solidFill>
                 <a:srgbClr val="000000"/>
               </a:solidFill>
+              <a:latin typeface="Calibri" pitchFamily="34" charset="0"/>
+              <a:cs typeface="Calibri" pitchFamily="34" charset="0"/>
             </a:endParaRPr>
           </a:p>
         </p:txBody>
@@ -14643,6 +15070,8 @@
                 <a:solidFill>
                   <a:srgbClr val="000000"/>
                 </a:solidFill>
+                <a:latin typeface="Calibri" pitchFamily="34" charset="0"/>
+                <a:cs typeface="Calibri" pitchFamily="34" charset="0"/>
               </a:rPr>
               <a:t>Functional Overview</a:t>
             </a:r>
@@ -14650,6 +15079,8 @@
               <a:solidFill>
                 <a:srgbClr val="000000"/>
               </a:solidFill>
+              <a:latin typeface="Calibri" pitchFamily="34" charset="0"/>
+              <a:cs typeface="Calibri" pitchFamily="34" charset="0"/>
             </a:endParaRPr>
           </a:p>
         </p:txBody>
@@ -14709,6 +15140,8 @@
                 <a:solidFill>
                   <a:srgbClr val="000000"/>
                 </a:solidFill>
+                <a:latin typeface="Calibri" pitchFamily="34" charset="0"/>
+                <a:cs typeface="Calibri" pitchFamily="34" charset="0"/>
               </a:rPr>
               <a:t>Perspectives</a:t>
             </a:r>
@@ -14716,6 +15149,8 @@
               <a:solidFill>
                 <a:srgbClr val="000000"/>
               </a:solidFill>
+              <a:latin typeface="Calibri" pitchFamily="34" charset="0"/>
+              <a:cs typeface="Calibri" pitchFamily="34" charset="0"/>
             </a:endParaRPr>
           </a:p>
         </p:txBody>
@@ -14771,10 +15206,12 @@
               <a:buChar char=""/>
             </a:pPr>
             <a:r>
-              <a:rPr lang="en-US" smtClean="0">
+              <a:rPr lang="en-US" dirty="0" smtClean="0">
                 <a:solidFill>
                   <a:srgbClr val="000000"/>
                 </a:solidFill>
+                <a:latin typeface="Calibri" pitchFamily="34" charset="0"/>
+                <a:cs typeface="Calibri" pitchFamily="34" charset="0"/>
               </a:rPr>
               <a:t>Projects</a:t>
             </a:r>
@@ -14782,6 +15219,8 @@
               <a:solidFill>
                 <a:srgbClr val="000000"/>
               </a:solidFill>
+              <a:latin typeface="Calibri" pitchFamily="34" charset="0"/>
+              <a:cs typeface="Calibri" pitchFamily="34" charset="0"/>
             </a:endParaRPr>
           </a:p>
         </p:txBody>
@@ -14841,6 +15280,8 @@
                 <a:solidFill>
                   <a:srgbClr val="000000"/>
                 </a:solidFill>
+                <a:latin typeface="Calibri" pitchFamily="34" charset="0"/>
+                <a:cs typeface="Calibri" pitchFamily="34" charset="0"/>
               </a:rPr>
               <a:t>Target Configuration</a:t>
             </a:r>
@@ -14848,6 +15289,8 @@
               <a:solidFill>
                 <a:srgbClr val="000000"/>
               </a:solidFill>
+              <a:latin typeface="Calibri" pitchFamily="34" charset="0"/>
+              <a:cs typeface="Calibri" pitchFamily="34" charset="0"/>
             </a:endParaRPr>
           </a:p>
         </p:txBody>
@@ -14907,6 +15350,8 @@
                 <a:solidFill>
                   <a:srgbClr val="000000"/>
                 </a:solidFill>
+                <a:latin typeface="Calibri" pitchFamily="34" charset="0"/>
+                <a:cs typeface="Calibri" pitchFamily="34" charset="0"/>
               </a:rPr>
               <a:t>Build Config &amp; Options</a:t>
             </a:r>
@@ -14914,6 +15359,8 @@
               <a:solidFill>
                 <a:srgbClr val="000000"/>
               </a:solidFill>
+              <a:latin typeface="Calibri" pitchFamily="34" charset="0"/>
+              <a:cs typeface="Calibri" pitchFamily="34" charset="0"/>
             </a:endParaRPr>
           </a:p>
         </p:txBody>
@@ -14973,6 +15420,8 @@
                 <a:solidFill>
                   <a:srgbClr val="000000"/>
                 </a:solidFill>
+                <a:latin typeface="Calibri" pitchFamily="34" charset="0"/>
+                <a:cs typeface="Calibri" pitchFamily="34" charset="0"/>
               </a:rPr>
               <a:t>Licensing/Pricing</a:t>
             </a:r>
@@ -14980,6 +15429,8 @@
               <a:solidFill>
                 <a:srgbClr val="000000"/>
               </a:solidFill>
+              <a:latin typeface="Calibri" pitchFamily="34" charset="0"/>
+              <a:cs typeface="Calibri" pitchFamily="34" charset="0"/>
             </a:endParaRPr>
           </a:p>
         </p:txBody>
@@ -15039,6 +15490,8 @@
                 <a:solidFill>
                   <a:srgbClr val="000000"/>
                 </a:solidFill>
+                <a:latin typeface="Calibri" pitchFamily="34" charset="0"/>
+                <a:cs typeface="Calibri" pitchFamily="34" charset="0"/>
               </a:rPr>
               <a:t>CCSv5 – For More Info…</a:t>
             </a:r>
@@ -15046,6 +15499,8 @@
               <a:solidFill>
                 <a:srgbClr val="000000"/>
               </a:solidFill>
+              <a:latin typeface="Calibri" pitchFamily="34" charset="0"/>
+              <a:cs typeface="Calibri" pitchFamily="34" charset="0"/>
             </a:endParaRPr>
           </a:p>
         </p:txBody>
@@ -15102,7 +15557,11 @@
           <a:lstStyle/>
           <a:p>
             <a:r>
-              <a:rPr lang="en-US" smtClean="0"/>
+              <a:rPr lang="en-US" dirty="0" smtClean="0">
+                <a:solidFill>
+                  <a:schemeClr val="tx1"/>
+                </a:solidFill>
+              </a:rPr>
               <a:t>CCS Functional Overview</a:t>
             </a:r>
           </a:p>
@@ -15310,8 +15769,8 @@
         </p:nvSpPr>
         <p:spPr bwMode="auto">
           <a:xfrm>
-            <a:off x="4956175" y="5080000"/>
-            <a:ext cx="1368425" cy="442913"/>
+            <a:off x="3662120" y="5080000"/>
+            <a:ext cx="1443280" cy="446276"/>
           </a:xfrm>
           <a:prstGeom prst="rect">
             <a:avLst/>
@@ -15347,8 +15806,9 @@
               </a:tabLst>
             </a:pPr>
             <a:r>
-              <a:rPr lang="en-US" sz="2000">
-                <a:latin typeface="Arial Narrow" pitchFamily="34" charset="0"/>
+              <a:rPr lang="en-US" sz="2000" dirty="0">
+                <a:latin typeface="Calibri" pitchFamily="34" charset="0"/>
+                <a:cs typeface="Calibri" pitchFamily="34" charset="0"/>
               </a:rPr>
               <a:t>Simulator</a:t>
             </a:r>
@@ -15365,8 +15825,8 @@
         </p:nvSpPr>
         <p:spPr bwMode="auto">
           <a:xfrm>
-            <a:off x="1657350" y="4767263"/>
-            <a:ext cx="3532188" cy="747712"/>
+            <a:off x="214070" y="4767263"/>
+            <a:ext cx="3688510" cy="754053"/>
           </a:xfrm>
           <a:prstGeom prst="rect">
             <a:avLst/>
@@ -15397,16 +15857,18 @@
               </a:tabLst>
             </a:pPr>
             <a:r>
-              <a:rPr lang="en-US" sz="2000">
+              <a:rPr lang="en-US" sz="2000" dirty="0">
                 <a:solidFill>
                   <a:schemeClr val="tx2"/>
                 </a:solidFill>
-                <a:latin typeface="Arial Narrow" pitchFamily="34" charset="0"/>
+                <a:latin typeface="Calibri" pitchFamily="34" charset="0"/>
+                <a:cs typeface="Calibri" pitchFamily="34" charset="0"/>
               </a:rPr>
               <a:t>Code Composer Studio Includes:</a:t>
             </a:r>
-            <a:endParaRPr lang="en-US" sz="2000">
-              <a:latin typeface="Arial Narrow" pitchFamily="34" charset="0"/>
+            <a:endParaRPr lang="en-US" sz="2000" dirty="0">
+              <a:latin typeface="Calibri" pitchFamily="34" charset="0"/>
+              <a:cs typeface="Calibri" pitchFamily="34" charset="0"/>
             </a:endParaRPr>
           </a:p>
           <a:p>
@@ -15427,8 +15889,9 @@
               </a:tabLst>
             </a:pPr>
             <a:r>
-              <a:rPr lang="en-US" sz="2000">
-                <a:latin typeface="Arial Narrow" pitchFamily="34" charset="0"/>
+              <a:rPr lang="en-US" sz="2000" dirty="0">
+                <a:latin typeface="Calibri" pitchFamily="34" charset="0"/>
+                <a:cs typeface="Calibri" pitchFamily="34" charset="0"/>
               </a:rPr>
               <a:t>Integrated Edit / Debug GUI</a:t>
             </a:r>
@@ -15879,8 +16342,8 @@
         </p:nvSpPr>
         <p:spPr bwMode="auto">
           <a:xfrm>
-            <a:off x="1657350" y="5773747"/>
-            <a:ext cx="3865161" cy="754053"/>
+            <a:off x="3586240" y="5494347"/>
+            <a:ext cx="3957558" cy="754053"/>
           </a:xfrm>
           <a:prstGeom prst="rect">
             <a:avLst/>
@@ -15917,36 +16380,42 @@
             </a:pPr>
             <a:r>
               <a:rPr lang="en-US" sz="2000" dirty="0" smtClean="0">
-                <a:latin typeface="Arial Narrow" pitchFamily="34" charset="0"/>
+                <a:latin typeface="Calibri" pitchFamily="34" charset="0"/>
+                <a:cs typeface="Calibri" pitchFamily="34" charset="0"/>
               </a:rPr>
               <a:t>SYS/BIOS</a:t>
             </a:r>
             <a:r>
               <a:rPr lang="en-US" sz="2000" dirty="0">
-                <a:latin typeface="Arial Narrow" pitchFamily="34" charset="0"/>
+                <a:latin typeface="Calibri" pitchFamily="34" charset="0"/>
+                <a:cs typeface="Calibri" pitchFamily="34" charset="0"/>
               </a:rPr>
               <a:t>:	Real-time kernel</a:t>
             </a:r>
             <a:br>
               <a:rPr lang="en-US" sz="2000" dirty="0">
-                <a:latin typeface="Arial Narrow" pitchFamily="34" charset="0"/>
+                <a:latin typeface="Calibri" pitchFamily="34" charset="0"/>
+                <a:cs typeface="Calibri" pitchFamily="34" charset="0"/>
               </a:rPr>
             </a:br>
             <a:r>
               <a:rPr lang="en-US" sz="2000" dirty="0">
-                <a:latin typeface="Arial Narrow" pitchFamily="34" charset="0"/>
+                <a:latin typeface="Calibri" pitchFamily="34" charset="0"/>
+                <a:cs typeface="Calibri" pitchFamily="34" charset="0"/>
               </a:rPr>
               <a:t>	</a:t>
             </a:r>
             <a:r>
               <a:rPr lang="en-US" sz="2000" dirty="0" smtClean="0">
-                <a:latin typeface="Arial Narrow" pitchFamily="34" charset="0"/>
+                <a:latin typeface="Calibri" pitchFamily="34" charset="0"/>
+                <a:cs typeface="Calibri" pitchFamily="34" charset="0"/>
               </a:rPr>
               <a:t>	Real-time </a:t>
             </a:r>
             <a:r>
               <a:rPr lang="en-US" sz="2000" dirty="0">
-                <a:latin typeface="Arial Narrow" pitchFamily="34" charset="0"/>
+                <a:latin typeface="Calibri" pitchFamily="34" charset="0"/>
+                <a:cs typeface="Calibri" pitchFamily="34" charset="0"/>
               </a:rPr>
               <a:t>analysis</a:t>
             </a:r>
@@ -16232,8 +16701,8 @@
         </p:nvSpPr>
         <p:spPr bwMode="auto">
           <a:xfrm>
-            <a:off x="1657350" y="5410200"/>
-            <a:ext cx="2760663" cy="442913"/>
+            <a:off x="214070" y="5494347"/>
+            <a:ext cx="2876365" cy="446276"/>
           </a:xfrm>
           <a:prstGeom prst="rect">
             <a:avLst/>
@@ -16269,8 +16738,9 @@
               </a:tabLst>
             </a:pPr>
             <a:r>
-              <a:rPr lang="en-US" sz="2000">
-                <a:latin typeface="Arial Narrow" pitchFamily="34" charset="0"/>
+              <a:rPr lang="en-US" sz="2000" dirty="0">
+                <a:latin typeface="Calibri" pitchFamily="34" charset="0"/>
+                <a:cs typeface="Calibri" pitchFamily="34" charset="0"/>
               </a:rPr>
               <a:t>Code Generation Tools</a:t>
             </a:r>
@@ -17455,7 +17925,11 @@
           <a:lstStyle/>
           <a:p>
             <a:r>
-              <a:rPr lang="en-CA" sz="3200" dirty="0" smtClean="0"/>
+              <a:rPr lang="en-CA" sz="3200" dirty="0" smtClean="0">
+                <a:solidFill>
+                  <a:schemeClr val="tx1"/>
+                </a:solidFill>
+              </a:rPr>
               <a:t>CCSv5 “GUI” Environment – Space Saving</a:t>
             </a:r>
           </a:p>
@@ -17503,8 +17977,8 @@
         </p:nvSpPr>
         <p:spPr bwMode="auto">
           <a:xfrm>
-            <a:off x="2068513" y="3173413"/>
-            <a:ext cx="1665287" cy="788987"/>
+            <a:off x="1905000" y="3173413"/>
+            <a:ext cx="1828801" cy="783193"/>
           </a:xfrm>
           <a:prstGeom prst="roundRect">
             <a:avLst>
@@ -17524,7 +17998,7 @@
           </a:ln>
         </p:spPr>
         <p:txBody>
-          <a:bodyPr>
+          <a:bodyPr wrap="square">
             <a:spAutoFit/>
           </a:bodyPr>
           <a:lstStyle/>
@@ -17538,11 +18012,23 @@
               </a:spcBef>
             </a:pPr>
             <a:r>
-              <a:rPr lang="en-CA" sz="2000">
-                <a:latin typeface="Arial Narrow" pitchFamily="34" charset="0"/>
+              <a:rPr lang="en-CA" sz="2000" dirty="0">
+                <a:latin typeface="Calibri" pitchFamily="34" charset="0"/>
+                <a:cs typeface="Calibri" pitchFamily="34" charset="0"/>
               </a:rPr>
-              <a:t>Tabbed editor windows</a:t>
-            </a:r>
+              <a:t>Tabbed editor </a:t>
+            </a:r>
+            <a:r>
+              <a:rPr lang="en-CA" sz="2000" dirty="0" smtClean="0">
+                <a:latin typeface="Calibri" pitchFamily="34" charset="0"/>
+                <a:cs typeface="Calibri" pitchFamily="34" charset="0"/>
+              </a:rPr>
+              <a:t>windows</a:t>
+            </a:r>
+            <a:endParaRPr lang="en-CA" sz="2000" dirty="0">
+              <a:latin typeface="Calibri" pitchFamily="34" charset="0"/>
+              <a:cs typeface="Calibri" pitchFamily="34" charset="0"/>
+            </a:endParaRPr>
           </a:p>
         </p:txBody>
       </p:sp>
@@ -17557,7 +18043,7 @@
         <p:spPr bwMode="auto">
           <a:xfrm>
             <a:off x="5235575" y="3152775"/>
-            <a:ext cx="2673350" cy="712788"/>
+            <a:ext cx="2673350" cy="715089"/>
           </a:xfrm>
           <a:prstGeom prst="roundRect">
             <a:avLst>
@@ -17591,21 +18077,25 @@
               </a:spcBef>
             </a:pPr>
             <a:r>
-              <a:rPr lang="en-CA" sz="1800">
-                <a:latin typeface="Arial Narrow" pitchFamily="34" charset="0"/>
+              <a:rPr lang="en-CA" sz="1800" dirty="0">
+                <a:latin typeface="Calibri" pitchFamily="34" charset="0"/>
+                <a:cs typeface="Calibri" pitchFamily="34" charset="0"/>
               </a:rPr>
-              <a:t>Tab data displays together</a:t>
-            </a:r>
-            <a:br>
-              <a:rPr lang="en-CA" sz="1800">
-                <a:latin typeface="Arial Narrow" pitchFamily="34" charset="0"/>
+              <a:t>Tab data displays </a:t>
+            </a:r>
+            <a:r>
+              <a:rPr lang="en-CA" sz="1800" dirty="0" smtClean="0">
+                <a:latin typeface="Calibri" pitchFamily="34" charset="0"/>
+                <a:cs typeface="Calibri" pitchFamily="34" charset="0"/>
               </a:rPr>
-            </a:br>
-            <a:r>
-              <a:rPr lang="en-CA" sz="1800">
-                <a:latin typeface="Arial Narrow" pitchFamily="34" charset="0"/>
+              <a:t>together to </a:t>
+            </a:r>
+            <a:r>
+              <a:rPr lang="en-CA" sz="1800" dirty="0">
+                <a:latin typeface="Calibri" pitchFamily="34" charset="0"/>
+                <a:cs typeface="Calibri" pitchFamily="34" charset="0"/>
               </a:rPr>
-              <a:t>to save space</a:t>
+              <a:t>save space</a:t>
             </a:r>
           </a:p>
         </p:txBody>
@@ -17621,7 +18111,7 @@
         <p:spPr bwMode="auto">
           <a:xfrm>
             <a:off x="990600" y="5638800"/>
-            <a:ext cx="3246438" cy="712788"/>
+            <a:ext cx="3246438" cy="715089"/>
           </a:xfrm>
           <a:prstGeom prst="roundRect">
             <a:avLst>
@@ -17655,26 +18145,25 @@
               </a:spcBef>
             </a:pPr>
             <a:r>
-              <a:rPr lang="en-CA" sz="1800">
-                <a:latin typeface="Arial Narrow" pitchFamily="34" charset="0"/>
+              <a:rPr lang="en-CA" sz="1800" dirty="0">
+                <a:latin typeface="Calibri" pitchFamily="34" charset="0"/>
+                <a:cs typeface="Calibri" pitchFamily="34" charset="0"/>
               </a:rPr>
-              <a:t>Fast view windows don’t display</a:t>
-            </a:r>
-          </a:p>
-          <a:p>
-            <a:pPr algn="ctr" eaLnBrk="1" hangingPunct="1">
-              <a:lnSpc>
-                <a:spcPct val="100000"/>
-              </a:lnSpc>
-              <a:spcBef>
-                <a:spcPct val="0"/>
-              </a:spcBef>
-            </a:pPr>
-            <a:r>
-              <a:rPr lang="en-CA" sz="1800">
-                <a:latin typeface="Arial Narrow" pitchFamily="34" charset="0"/>
+              <a:t>Fast view windows don’t </a:t>
+            </a:r>
+            <a:r>
+              <a:rPr lang="en-CA" sz="1800" dirty="0" smtClean="0">
+                <a:latin typeface="Calibri" pitchFamily="34" charset="0"/>
+                <a:cs typeface="Calibri" pitchFamily="34" charset="0"/>
               </a:rPr>
-              <a:t>Until you click on them</a:t>
+              <a:t>display until </a:t>
+            </a:r>
+            <a:r>
+              <a:rPr lang="en-CA" sz="1800" dirty="0">
+                <a:latin typeface="Calibri" pitchFamily="34" charset="0"/>
+                <a:cs typeface="Calibri" pitchFamily="34" charset="0"/>
+              </a:rPr>
+              <a:t>you click on them</a:t>
             </a:r>
           </a:p>
         </p:txBody>
@@ -17689,8 +18178,8 @@
         </p:nvSpPr>
         <p:spPr bwMode="auto">
           <a:xfrm>
-            <a:off x="5562600" y="1371600"/>
-            <a:ext cx="3395663" cy="1017588"/>
+            <a:off x="5410200" y="1371600"/>
+            <a:ext cx="3548063" cy="1021556"/>
           </a:xfrm>
           <a:prstGeom prst="roundRect">
             <a:avLst>
@@ -17710,7 +18199,7 @@
           </a:ln>
         </p:spPr>
         <p:txBody>
-          <a:bodyPr>
+          <a:bodyPr wrap="square">
             <a:spAutoFit/>
           </a:bodyPr>
           <a:lstStyle/>
@@ -17724,38 +18213,45 @@
               </a:spcBef>
             </a:pPr>
             <a:r>
-              <a:rPr lang="en-CA" sz="1800" u="sng">
-                <a:latin typeface="Arial Narrow" pitchFamily="34" charset="0"/>
+              <a:rPr lang="en-CA" sz="1800" u="sng" dirty="0">
+                <a:latin typeface="Calibri" pitchFamily="34" charset="0"/>
+                <a:cs typeface="Calibri" pitchFamily="34" charset="0"/>
               </a:rPr>
               <a:t>Perspectives</a:t>
             </a:r>
             <a:r>
-              <a:rPr lang="en-CA" sz="1800">
-                <a:latin typeface="Arial Narrow" pitchFamily="34" charset="0"/>
+              <a:rPr lang="en-CA" sz="1800" dirty="0">
+                <a:latin typeface="Calibri" pitchFamily="34" charset="0"/>
+                <a:cs typeface="Calibri" pitchFamily="34" charset="0"/>
               </a:rPr>
               <a:t> contain separate</a:t>
             </a:r>
             <a:br>
-              <a:rPr lang="en-CA" sz="1800">
-                <a:latin typeface="Arial Narrow" pitchFamily="34" charset="0"/>
+              <a:rPr lang="en-CA" sz="1800" dirty="0">
+                <a:latin typeface="Calibri" pitchFamily="34" charset="0"/>
+                <a:cs typeface="Calibri" pitchFamily="34" charset="0"/>
               </a:rPr>
             </a:br>
             <a:r>
-              <a:rPr lang="en-CA" sz="1800">
-                <a:latin typeface="Arial Narrow" pitchFamily="34" charset="0"/>
+              <a:rPr lang="en-CA" sz="1800" dirty="0">
+                <a:latin typeface="Calibri" pitchFamily="34" charset="0"/>
+                <a:cs typeface="Calibri" pitchFamily="34" charset="0"/>
               </a:rPr>
-              <a:t>window arrangements depending</a:t>
-            </a:r>
-            <a:br>
-              <a:rPr lang="en-CA" sz="1800">
-                <a:latin typeface="Arial Narrow" pitchFamily="34" charset="0"/>
+              <a:t>window arrangements </a:t>
+            </a:r>
+            <a:r>
+              <a:rPr lang="en-CA" sz="1800" dirty="0" smtClean="0">
+                <a:latin typeface="Calibri" pitchFamily="34" charset="0"/>
+                <a:cs typeface="Calibri" pitchFamily="34" charset="0"/>
               </a:rPr>
-            </a:br>
-            <a:r>
-              <a:rPr lang="en-CA" sz="1800">
-                <a:latin typeface="Arial Narrow" pitchFamily="34" charset="0"/>
+              <a:t>depending on </a:t>
+            </a:r>
+            <a:r>
+              <a:rPr lang="en-CA" sz="1800" dirty="0">
+                <a:latin typeface="Calibri" pitchFamily="34" charset="0"/>
+                <a:cs typeface="Calibri" pitchFamily="34" charset="0"/>
               </a:rPr>
-              <a:t>on what you are doing.</a:t>
+              <a:t>what you are doing.</a:t>
             </a:r>
           </a:p>
         </p:txBody>
@@ -17771,9 +18267,9 @@
           <p:nvPr/>
         </p:nvCxnSpPr>
         <p:spPr bwMode="auto">
-          <a:xfrm flipV="1">
-            <a:off x="7261225" y="1163638"/>
-            <a:ext cx="360363" cy="207962"/>
+          <a:xfrm rot="5400000" flipH="1" flipV="1">
+            <a:off x="7298975" y="1048661"/>
+            <a:ext cx="208196" cy="437683"/>
           </a:xfrm>
           <a:prstGeom prst="straightConnector1">
             <a:avLst/>
@@ -17800,9 +18296,9 @@
           <p:nvPr/>
         </p:nvCxnSpPr>
         <p:spPr bwMode="auto">
-          <a:xfrm flipH="1">
-            <a:off x="804863" y="6351588"/>
-            <a:ext cx="1809750" cy="234950"/>
+          <a:xfrm rot="5400000">
+            <a:off x="1592877" y="5565735"/>
+            <a:ext cx="232789" cy="1809097"/>
           </a:xfrm>
           <a:prstGeom prst="straightConnector1">
             <a:avLst/>
@@ -17829,8 +18325,8 @@
         </p:nvCxnSpPr>
         <p:spPr bwMode="auto">
           <a:xfrm rot="16200000" flipV="1">
-            <a:off x="2590800" y="2862263"/>
-            <a:ext cx="242888" cy="379412"/>
+            <a:off x="2549526" y="2903538"/>
+            <a:ext cx="242888" cy="296862"/>
           </a:xfrm>
           <a:prstGeom prst="straightConnector1">
             <a:avLst/>
@@ -17857,8 +18353,8 @@
         </p:nvCxnSpPr>
         <p:spPr bwMode="auto">
           <a:xfrm rot="16200000" flipV="1">
-            <a:off x="6363494" y="2944019"/>
-            <a:ext cx="166687" cy="250825"/>
+            <a:off x="6363495" y="2944020"/>
+            <a:ext cx="166686" cy="250824"/>
           </a:xfrm>
           <a:prstGeom prst="straightConnector1">
             <a:avLst/>
@@ -17920,7 +18416,8 @@
             </a:pPr>
             <a:r>
               <a:rPr lang="en-CA" sz="1800">
-                <a:latin typeface="Arial Narrow" pitchFamily="34" charset="0"/>
+                <a:latin typeface="Calibri" pitchFamily="34" charset="0"/>
+                <a:cs typeface="Calibri" pitchFamily="34" charset="0"/>
               </a:rPr>
               <a:t>Customize toolbars &amp; menus</a:t>
             </a:r>
@@ -17995,6 +18492,8 @@
                   </a:srgbClr>
                 </a:outerShdw>
               </a:effectLst>
+              <a:latin typeface="Calibri" pitchFamily="34" charset="0"/>
+              <a:cs typeface="Calibri" pitchFamily="34" charset="0"/>
             </a:endParaRPr>
           </a:p>
         </p:txBody>
@@ -18039,6 +18538,8 @@
                   </a:srgbClr>
                 </a:outerShdw>
               </a:effectLst>
+              <a:latin typeface="Calibri" pitchFamily="34" charset="0"/>
+              <a:cs typeface="Calibri" pitchFamily="34" charset="0"/>
             </a:endParaRPr>
           </a:p>
         </p:txBody>
@@ -18092,7 +18593,11 @@
           <a:lstStyle/>
           <a:p>
             <a:r>
-              <a:rPr lang="en-US" dirty="0" smtClean="0"/>
+              <a:rPr lang="en-US" dirty="0" smtClean="0">
+                <a:solidFill>
+                  <a:schemeClr val="tx1"/>
+                </a:solidFill>
+              </a:rPr>
               <a:t>CCSv5 (Eclipse) Benefits</a:t>
             </a:r>
           </a:p>
@@ -18140,7 +18645,7 @@
         </p:nvSpPr>
         <p:spPr bwMode="auto">
           <a:xfrm>
-            <a:off x="3590925" y="2152650"/>
+            <a:off x="3569153" y="2152650"/>
             <a:ext cx="5562600" cy="4724400"/>
           </a:xfrm>
           <a:prstGeom prst="rect">
@@ -18174,6 +18679,8 @@
                   </a:srgbClr>
                 </a:outerShdw>
               </a:effectLst>
+              <a:latin typeface="Calibri" pitchFamily="34" charset="0"/>
+              <a:cs typeface="Calibri" pitchFamily="34" charset="0"/>
             </a:endParaRPr>
           </a:p>
         </p:txBody>
@@ -18188,8 +18695,8 @@
         </p:nvSpPr>
         <p:spPr bwMode="auto">
           <a:xfrm>
-            <a:off x="3657600" y="2246313"/>
-            <a:ext cx="4437063" cy="384175"/>
+            <a:off x="3559626" y="2246313"/>
+            <a:ext cx="4612609" cy="395173"/>
           </a:xfrm>
           <a:prstGeom prst="rect">
             <a:avLst/>
@@ -18217,8 +18724,9 @@
               <a:buChar char=""/>
             </a:pPr>
             <a:r>
-              <a:rPr lang="en-US">
-                <a:latin typeface="Arial Narrow" pitchFamily="34" charset="0"/>
+              <a:rPr lang="en-US" dirty="0">
+                <a:latin typeface="Calibri" pitchFamily="34" charset="0"/>
+                <a:cs typeface="Calibri" pitchFamily="34" charset="0"/>
               </a:rPr>
               <a:t>Eclipse Open Source Framework</a:t>
             </a:r>
@@ -18235,8 +18743,8 @@
         </p:nvSpPr>
         <p:spPr bwMode="auto">
           <a:xfrm>
-            <a:off x="4067175" y="2671763"/>
-            <a:ext cx="4982326" cy="1661993"/>
+            <a:off x="3864426" y="2671763"/>
+            <a:ext cx="5363391" cy="1661993"/>
           </a:xfrm>
           <a:prstGeom prst="rect">
             <a:avLst/>
@@ -18264,19 +18772,22 @@
             </a:pPr>
             <a:r>
               <a:rPr lang="en-US" sz="2000" dirty="0">
-                <a:latin typeface="Arial Narrow" pitchFamily="34" charset="0"/>
+                <a:latin typeface="Calibri" pitchFamily="34" charset="0"/>
+                <a:cs typeface="Calibri" pitchFamily="34" charset="0"/>
               </a:rPr>
               <a:t>  Managed make files (</a:t>
             </a:r>
             <a:r>
               <a:rPr lang="en-US" sz="2000" dirty="0" err="1">
-                <a:latin typeface="Arial Narrow" pitchFamily="34" charset="0"/>
+                <a:latin typeface="Calibri" pitchFamily="34" charset="0"/>
+                <a:cs typeface="Calibri" pitchFamily="34" charset="0"/>
               </a:rPr>
               <a:t>gMake</a:t>
             </a:r>
             <a:r>
               <a:rPr lang="en-US" sz="2000" dirty="0">
-                <a:latin typeface="Arial Narrow" pitchFamily="34" charset="0"/>
+                <a:latin typeface="Calibri" pitchFamily="34" charset="0"/>
+                <a:cs typeface="Calibri" pitchFamily="34" charset="0"/>
               </a:rPr>
               <a:t> scripting)</a:t>
             </a:r>
@@ -18291,7 +18802,8 @@
             </a:pPr>
             <a:r>
               <a:rPr lang="en-US" sz="2000" dirty="0">
-                <a:latin typeface="Arial Narrow" pitchFamily="34" charset="0"/>
+                <a:latin typeface="Calibri" pitchFamily="34" charset="0"/>
+                <a:cs typeface="Calibri" pitchFamily="34" charset="0"/>
               </a:rPr>
               <a:t>  Industry momentum (leverage work of others)</a:t>
             </a:r>
@@ -18306,18 +18818,21 @@
             </a:pPr>
             <a:r>
               <a:rPr lang="en-US" sz="2000" dirty="0">
-                <a:latin typeface="Arial Narrow" pitchFamily="34" charset="0"/>
+                <a:latin typeface="Calibri" pitchFamily="34" charset="0"/>
+                <a:cs typeface="Calibri" pitchFamily="34" charset="0"/>
               </a:rPr>
               <a:t>  Cross-platform support (</a:t>
             </a:r>
             <a:r>
               <a:rPr lang="en-US" sz="2000" dirty="0" smtClean="0">
-                <a:latin typeface="Arial Narrow" pitchFamily="34" charset="0"/>
+                <a:latin typeface="Calibri" pitchFamily="34" charset="0"/>
+                <a:cs typeface="Calibri" pitchFamily="34" charset="0"/>
               </a:rPr>
               <a:t>Windows/Linux – 5.x)</a:t>
             </a:r>
             <a:endParaRPr lang="en-US" sz="2000" dirty="0">
-              <a:latin typeface="Arial Narrow" pitchFamily="34" charset="0"/>
+              <a:latin typeface="Calibri" pitchFamily="34" charset="0"/>
+              <a:cs typeface="Calibri" pitchFamily="34" charset="0"/>
             </a:endParaRPr>
           </a:p>
           <a:p>
@@ -18330,7 +18845,8 @@
             </a:pPr>
             <a:r>
               <a:rPr lang="en-US" sz="2000" dirty="0">
-                <a:latin typeface="Arial Narrow" pitchFamily="34" charset="0"/>
+                <a:latin typeface="Calibri" pitchFamily="34" charset="0"/>
+                <a:cs typeface="Calibri" pitchFamily="34" charset="0"/>
               </a:rPr>
               <a:t>  Plug-ins – use available or create your own</a:t>
             </a:r>
@@ -18347,8 +18863,8 @@
         </p:nvSpPr>
         <p:spPr bwMode="auto">
           <a:xfrm>
-            <a:off x="3657600" y="4495800"/>
-            <a:ext cx="2973388" cy="384175"/>
+            <a:off x="3559626" y="4495800"/>
+            <a:ext cx="3215560" cy="395173"/>
           </a:xfrm>
           <a:prstGeom prst="rect">
             <a:avLst/>
@@ -18377,7 +18893,8 @@
             </a:pPr>
             <a:r>
               <a:rPr lang="en-US">
-                <a:latin typeface="Arial Narrow" pitchFamily="34" charset="0"/>
+                <a:latin typeface="Calibri" pitchFamily="34" charset="0"/>
+                <a:cs typeface="Calibri" pitchFamily="34" charset="0"/>
               </a:rPr>
               <a:t>Project Management</a:t>
             </a:r>
@@ -18394,8 +18911,8 @@
         </p:nvSpPr>
         <p:spPr bwMode="auto">
           <a:xfrm>
-            <a:off x="4067175" y="4953000"/>
-            <a:ext cx="4392613" cy="793750"/>
+            <a:off x="3864426" y="4953000"/>
+            <a:ext cx="4649927" cy="800219"/>
           </a:xfrm>
           <a:prstGeom prst="rect">
             <a:avLst/>
@@ -18423,7 +18940,8 @@
             </a:pPr>
             <a:r>
               <a:rPr lang="en-US" sz="2000">
-                <a:latin typeface="Arial Narrow" pitchFamily="34" charset="0"/>
+                <a:latin typeface="Calibri" pitchFamily="34" charset="0"/>
+                <a:cs typeface="Calibri" pitchFamily="34" charset="0"/>
               </a:rPr>
               <a:t>  Version control plug-ins (e.g. ClearCase)</a:t>
             </a:r>
@@ -18438,7 +18956,8 @@
             </a:pPr>
             <a:r>
               <a:rPr lang="en-US" sz="2000">
-                <a:latin typeface="Arial Narrow" pitchFamily="34" charset="0"/>
+                <a:latin typeface="Calibri" pitchFamily="34" charset="0"/>
+                <a:cs typeface="Calibri" pitchFamily="34" charset="0"/>
               </a:rPr>
               <a:t>  BIOS/CGT version PER PROJECT </a:t>
             </a:r>
@@ -18455,8 +18974,8 @@
         </p:nvSpPr>
         <p:spPr bwMode="auto">
           <a:xfrm>
-            <a:off x="3657600" y="5867400"/>
-            <a:ext cx="5135563" cy="868363"/>
+            <a:off x="3559626" y="5867400"/>
+            <a:ext cx="5250412" cy="875304"/>
           </a:xfrm>
           <a:prstGeom prst="rect">
             <a:avLst/>
@@ -18485,7 +19004,8 @@
             </a:pPr>
             <a:r>
               <a:rPr lang="en-US">
-                <a:latin typeface="Arial Narrow" pitchFamily="34" charset="0"/>
+                <a:latin typeface="Calibri" pitchFamily="34" charset="0"/>
+                <a:cs typeface="Calibri" pitchFamily="34" charset="0"/>
               </a:rPr>
               <a:t>Licensing (free tools, floating license)</a:t>
             </a:r>
@@ -18501,7 +19021,8 @@
             </a:pPr>
             <a:r>
               <a:rPr lang="en-US">
-                <a:latin typeface="Arial Narrow" pitchFamily="34" charset="0"/>
+                <a:latin typeface="Calibri" pitchFamily="34" charset="0"/>
+                <a:cs typeface="Calibri" pitchFamily="34" charset="0"/>
               </a:rPr>
               <a:t>Updates available via internet</a:t>
             </a:r>
@@ -18651,6 +19172,8 @@
                 <a:solidFill>
                   <a:srgbClr val="000000"/>
                 </a:solidFill>
+                <a:latin typeface="Calibri" pitchFamily="34" charset="0"/>
+                <a:cs typeface="Calibri" pitchFamily="34" charset="0"/>
               </a:rPr>
               <a:t>Intro to CCSv5</a:t>
             </a:r>
@@ -18658,6 +19181,8 @@
               <a:solidFill>
                 <a:srgbClr val="000000"/>
               </a:solidFill>
+              <a:latin typeface="Calibri" pitchFamily="34" charset="0"/>
+              <a:cs typeface="Calibri" pitchFamily="34" charset="0"/>
             </a:endParaRPr>
           </a:p>
         </p:txBody>
@@ -18717,6 +19242,8 @@
                 <a:solidFill>
                   <a:srgbClr val="000000"/>
                 </a:solidFill>
+                <a:latin typeface="Calibri" pitchFamily="34" charset="0"/>
+                <a:cs typeface="Calibri" pitchFamily="34" charset="0"/>
               </a:rPr>
               <a:t>Functional Overview</a:t>
             </a:r>
@@ -18724,6 +19251,8 @@
               <a:solidFill>
                 <a:srgbClr val="000000"/>
               </a:solidFill>
+              <a:latin typeface="Calibri" pitchFamily="34" charset="0"/>
+              <a:cs typeface="Calibri" pitchFamily="34" charset="0"/>
             </a:endParaRPr>
           </a:p>
         </p:txBody>
@@ -18787,6 +19316,8 @@
                 <a:solidFill>
                   <a:srgbClr val="000000"/>
                 </a:solidFill>
+                <a:latin typeface="Calibri" pitchFamily="34" charset="0"/>
+                <a:cs typeface="Calibri" pitchFamily="34" charset="0"/>
               </a:rPr>
               <a:t>Perspectives</a:t>
             </a:r>
@@ -18794,6 +19325,8 @@
               <a:solidFill>
                 <a:srgbClr val="000000"/>
               </a:solidFill>
+              <a:latin typeface="Calibri" pitchFamily="34" charset="0"/>
+              <a:cs typeface="Calibri" pitchFamily="34" charset="0"/>
             </a:endParaRPr>
           </a:p>
         </p:txBody>
@@ -18853,6 +19386,8 @@
                 <a:solidFill>
                   <a:srgbClr val="000000"/>
                 </a:solidFill>
+                <a:latin typeface="Calibri" pitchFamily="34" charset="0"/>
+                <a:cs typeface="Calibri" pitchFamily="34" charset="0"/>
               </a:rPr>
               <a:t>Projects</a:t>
             </a:r>
@@ -18860,6 +19395,8 @@
               <a:solidFill>
                 <a:srgbClr val="000000"/>
               </a:solidFill>
+              <a:latin typeface="Calibri" pitchFamily="34" charset="0"/>
+              <a:cs typeface="Calibri" pitchFamily="34" charset="0"/>
             </a:endParaRPr>
           </a:p>
         </p:txBody>
@@ -18915,10 +19452,12 @@
               <a:buChar char=""/>
             </a:pPr>
             <a:r>
-              <a:rPr lang="en-US" smtClean="0">
+              <a:rPr lang="en-US" dirty="0" smtClean="0">
                 <a:solidFill>
                   <a:srgbClr val="000000"/>
                 </a:solidFill>
+                <a:latin typeface="Calibri" pitchFamily="34" charset="0"/>
+                <a:cs typeface="Calibri" pitchFamily="34" charset="0"/>
               </a:rPr>
               <a:t>Target Configuration</a:t>
             </a:r>
@@ -18926,6 +19465,8 @@
               <a:solidFill>
                 <a:srgbClr val="000000"/>
               </a:solidFill>
+              <a:latin typeface="Calibri" pitchFamily="34" charset="0"/>
+              <a:cs typeface="Calibri" pitchFamily="34" charset="0"/>
             </a:endParaRPr>
           </a:p>
         </p:txBody>
@@ -18985,6 +19526,8 @@
                 <a:solidFill>
                   <a:srgbClr val="000000"/>
                 </a:solidFill>
+                <a:latin typeface="Calibri" pitchFamily="34" charset="0"/>
+                <a:cs typeface="Calibri" pitchFamily="34" charset="0"/>
               </a:rPr>
               <a:t>Build Config &amp; Options</a:t>
             </a:r>
@@ -18992,6 +19535,8 @@
               <a:solidFill>
                 <a:srgbClr val="000000"/>
               </a:solidFill>
+              <a:latin typeface="Calibri" pitchFamily="34" charset="0"/>
+              <a:cs typeface="Calibri" pitchFamily="34" charset="0"/>
             </a:endParaRPr>
           </a:p>
         </p:txBody>
@@ -19051,6 +19596,8 @@
                 <a:solidFill>
                   <a:srgbClr val="000000"/>
                 </a:solidFill>
+                <a:latin typeface="Calibri" pitchFamily="34" charset="0"/>
+                <a:cs typeface="Calibri" pitchFamily="34" charset="0"/>
               </a:rPr>
               <a:t>Licensing/Pricing</a:t>
             </a:r>
@@ -19058,6 +19605,8 @@
               <a:solidFill>
                 <a:srgbClr val="000000"/>
               </a:solidFill>
+              <a:latin typeface="Calibri" pitchFamily="34" charset="0"/>
+              <a:cs typeface="Calibri" pitchFamily="34" charset="0"/>
             </a:endParaRPr>
           </a:p>
         </p:txBody>
@@ -19117,6 +19666,8 @@
                 <a:solidFill>
                   <a:srgbClr val="000000"/>
                 </a:solidFill>
+                <a:latin typeface="Calibri" pitchFamily="34" charset="0"/>
+                <a:cs typeface="Calibri" pitchFamily="34" charset="0"/>
               </a:rPr>
               <a:t>CCSv5 – For More Info…</a:t>
             </a:r>
@@ -19124,6 +19675,8 @@
               <a:solidFill>
                 <a:srgbClr val="000000"/>
               </a:solidFill>
+              <a:latin typeface="Calibri" pitchFamily="34" charset="0"/>
+              <a:cs typeface="Calibri" pitchFamily="34" charset="0"/>
             </a:endParaRPr>
           </a:p>
         </p:txBody>
@@ -19166,6 +19719,39 @@
       </p:grpSpPr>
       <p:sp>
         <p:nvSpPr>
+          <p:cNvPr id="13" name="TextBox 12"/>
+          <p:cNvSpPr txBox="1"/>
+          <p:nvPr/>
+        </p:nvSpPr>
+        <p:spPr>
+          <a:xfrm>
+            <a:off x="228600" y="6435501"/>
+            <a:ext cx="8686800" cy="387798"/>
+          </a:xfrm>
+          <a:prstGeom prst="rect">
+            <a:avLst/>
+          </a:prstGeom>
+          <a:solidFill>
+            <a:schemeClr val="bg1"/>
+          </a:solidFill>
+        </p:spPr>
+        <p:txBody>
+          <a:bodyPr wrap="square" rtlCol="0" anchor="ctr" anchorCtr="0">
+            <a:spAutoFit/>
+          </a:bodyPr>
+          <a:lstStyle/>
+          <a:p>
+            <a:endParaRPr lang="en-US" dirty="0" smtClean="0">
+              <a:solidFill>
+                <a:schemeClr val="dk1"/>
+              </a:solidFill>
+              <a:effectLst/>
+            </a:endParaRPr>
+          </a:p>
+        </p:txBody>
+      </p:sp>
+      <p:sp>
+        <p:nvSpPr>
           <p:cNvPr id="11266" name="Rectangle 2"/>
           <p:cNvSpPr>
             <a:spLocks noGrp="1" noChangeArrowheads="1"/>
@@ -19180,7 +19766,11 @@
           <a:lstStyle/>
           <a:p>
             <a:r>
-              <a:rPr lang="en-US" smtClean="0"/>
+              <a:rPr lang="en-US" dirty="0" smtClean="0">
+                <a:solidFill>
+                  <a:schemeClr val="tx1"/>
+                </a:solidFill>
+              </a:rPr>
               <a:t>Perspectives</a:t>
             </a:r>
           </a:p>

--- a/trunk/slides/Intro to CCSv5.pptx
+++ b/trunk/slides/Intro to CCSv5.pptx
@@ -5235,11 +5235,6 @@
               </a:rPr>
               <a:t>Introduction to CCSv5</a:t>
             </a:r>
-            <a:endParaRPr lang="en-US" dirty="0" smtClean="0">
-              <a:solidFill>
-                <a:srgbClr val="DE0000"/>
-              </a:solidFill>
-            </a:endParaRPr>
           </a:p>
         </p:txBody>
       </p:sp>
@@ -6609,19 +6604,8 @@
                 <a:latin typeface="Calibri" pitchFamily="34" charset="0"/>
                 <a:cs typeface="Calibri" pitchFamily="34" charset="0"/>
               </a:rPr>
-              <a:t>Not using SYS/BIOS</a:t>
-            </a:r>
-            <a:r>
-              <a:rPr lang="en-US" sz="2000" dirty="0" smtClean="0">
-                <a:latin typeface="Calibri" pitchFamily="34" charset="0"/>
-                <a:cs typeface="Calibri" pitchFamily="34" charset="0"/>
-              </a:rPr>
-              <a:t>? </a:t>
-            </a:r>
-            <a:endParaRPr lang="en-US" sz="2000" dirty="0" smtClean="0">
-              <a:latin typeface="Calibri" pitchFamily="34" charset="0"/>
-              <a:cs typeface="Calibri" pitchFamily="34" charset="0"/>
-            </a:endParaRPr>
+              <a:t>Not using SYS/BIOS? </a:t>
+            </a:r>
           </a:p>
           <a:p>
             <a:pPr marL="639763" lvl="1" indent="-285750" eaLnBrk="0" hangingPunct="0">
@@ -9188,27 +9172,7 @@
                 <a:latin typeface="Calibri" pitchFamily="34" charset="0"/>
                 <a:cs typeface="Calibri" pitchFamily="34" charset="0"/>
               </a:rPr>
-              <a:t>For </a:t>
-            </a:r>
-            <a:r>
-              <a:rPr lang="en-US" sz="2400" dirty="0" smtClean="0">
-                <a:solidFill>
-                  <a:srgbClr val="000000"/>
-                </a:solidFill>
-                <a:latin typeface="Calibri" pitchFamily="34" charset="0"/>
-                <a:cs typeface="Calibri" pitchFamily="34" charset="0"/>
-              </a:rPr>
-              <a:t>More </a:t>
-            </a:r>
-            <a:r>
-              <a:rPr lang="en-US" sz="2400" dirty="0" smtClean="0">
-                <a:solidFill>
-                  <a:srgbClr val="000000"/>
-                </a:solidFill>
-                <a:latin typeface="Calibri" pitchFamily="34" charset="0"/>
-                <a:cs typeface="Calibri" pitchFamily="34" charset="0"/>
-              </a:rPr>
-              <a:t>Information</a:t>
+              <a:t>For More Information</a:t>
             </a:r>
             <a:endParaRPr lang="en-US" sz="2400" dirty="0">
               <a:solidFill>
@@ -11457,14 +11421,7 @@
                 <a:latin typeface="Calibri" pitchFamily="34" charset="0"/>
                 <a:cs typeface="Calibri" pitchFamily="34" charset="0"/>
               </a:rPr>
-              <a:t>  </a:t>
-            </a:r>
-            <a:r>
-              <a:rPr lang="en-US" sz="2000" dirty="0">
-                <a:latin typeface="Calibri" pitchFamily="34" charset="0"/>
-                <a:cs typeface="Calibri" pitchFamily="34" charset="0"/>
-              </a:rPr>
-              <a:t>Reasonable pricing – includes FREE options noted below</a:t>
+              <a:t>  Reasonable pricing – includes FREE options noted below</a:t>
             </a:r>
           </a:p>
         </p:txBody>
@@ -11785,11 +11742,7 @@
           <a:p>
             <a:r>
               <a:rPr lang="en-US" dirty="0" smtClean="0"/>
-              <a:t>For </a:t>
-            </a:r>
-            <a:r>
-              <a:rPr lang="en-US" dirty="0" smtClean="0"/>
-              <a:t>More Information</a:t>
+              <a:t>For More Information</a:t>
             </a:r>
           </a:p>
         </p:txBody>
@@ -11882,14 +11835,7 @@
                 <a:latin typeface="Calibri" pitchFamily="34" charset="0"/>
                 <a:cs typeface="Calibri" pitchFamily="34" charset="0"/>
               </a:rPr>
-              <a:t>Downloading </a:t>
-            </a:r>
-            <a:r>
-              <a:rPr lang="en-US" sz="2000" dirty="0" smtClean="0">
-                <a:latin typeface="Calibri" pitchFamily="34" charset="0"/>
-                <a:cs typeface="Calibri" pitchFamily="34" charset="0"/>
-              </a:rPr>
-              <a:t>CCSv5</a:t>
+              <a:t>Downloading CCSv5</a:t>
             </a:r>
             <a:endParaRPr lang="en-US" sz="2000" dirty="0">
               <a:latin typeface="Calibri" pitchFamily="34" charset="0"/>
@@ -11995,14 +11941,7 @@
                 <a:latin typeface="Calibri" pitchFamily="34" charset="0"/>
                 <a:cs typeface="Calibri" pitchFamily="34" charset="0"/>
               </a:rPr>
-              <a:t>Etc</a:t>
-            </a:r>
-            <a:r>
-              <a:rPr lang="en-US" sz="2000" dirty="0" smtClean="0">
-                <a:latin typeface="Calibri" pitchFamily="34" charset="0"/>
-                <a:cs typeface="Calibri" pitchFamily="34" charset="0"/>
-              </a:rPr>
-              <a:t>.</a:t>
+              <a:t>Etc.</a:t>
             </a:r>
             <a:endParaRPr lang="en-US" sz="2000" dirty="0">
               <a:latin typeface="Calibri" pitchFamily="34" charset="0"/>
